--- a/zatsuGE_pptx/初期化と解放.pptx
+++ b/zatsuGE_pptx/初期化と解放.pptx
@@ -12,19 +12,23 @@
     <p:sldId id="260" r:id="rId6"/>
     <p:sldId id="261" r:id="rId7"/>
     <p:sldId id="262" r:id="rId8"/>
-    <p:sldId id="263" r:id="rId9"/>
-    <p:sldId id="264" r:id="rId10"/>
-    <p:sldId id="265" r:id="rId11"/>
-    <p:sldId id="266" r:id="rId12"/>
-    <p:sldId id="267" r:id="rId13"/>
-    <p:sldId id="268" r:id="rId14"/>
-    <p:sldId id="275" r:id="rId15"/>
-    <p:sldId id="269" r:id="rId16"/>
-    <p:sldId id="270" r:id="rId17"/>
-    <p:sldId id="271" r:id="rId18"/>
-    <p:sldId id="272" r:id="rId19"/>
-    <p:sldId id="273" r:id="rId20"/>
-    <p:sldId id="274" r:id="rId21"/>
+    <p:sldId id="277" r:id="rId9"/>
+    <p:sldId id="276" r:id="rId10"/>
+    <p:sldId id="263" r:id="rId11"/>
+    <p:sldId id="264" r:id="rId12"/>
+    <p:sldId id="265" r:id="rId13"/>
+    <p:sldId id="266" r:id="rId14"/>
+    <p:sldId id="267" r:id="rId15"/>
+    <p:sldId id="268" r:id="rId16"/>
+    <p:sldId id="275" r:id="rId17"/>
+    <p:sldId id="269" r:id="rId18"/>
+    <p:sldId id="278" r:id="rId19"/>
+    <p:sldId id="279" r:id="rId20"/>
+    <p:sldId id="270" r:id="rId21"/>
+    <p:sldId id="271" r:id="rId22"/>
+    <p:sldId id="272" r:id="rId23"/>
+    <p:sldId id="273" r:id="rId24"/>
+    <p:sldId id="274" r:id="rId25"/>
   </p:sldIdLst>
   <p:sldSz cx="12192000" cy="6858000"/>
   <p:notesSz cx="6858000" cy="9144000"/>
@@ -278,7 +282,7 @@
           <a:p>
             <a:fld id="{B294ACA1-DD90-423C-AE1A-E2BA4AD9A605}" type="datetimeFigureOut">
               <a:rPr kumimoji="1" lang="ja-JP" altLang="en-US" smtClean="0"/>
-              <a:t>2025/6/6</a:t>
+              <a:t>2025/6/8</a:t>
             </a:fld>
             <a:endParaRPr kumimoji="1" lang="ja-JP" altLang="en-US"/>
           </a:p>
@@ -508,7 +512,7 @@
           <a:p>
             <a:fld id="{B294ACA1-DD90-423C-AE1A-E2BA4AD9A605}" type="datetimeFigureOut">
               <a:rPr kumimoji="1" lang="ja-JP" altLang="en-US" smtClean="0"/>
-              <a:t>2025/6/6</a:t>
+              <a:t>2025/6/8</a:t>
             </a:fld>
             <a:endParaRPr kumimoji="1" lang="ja-JP" altLang="en-US"/>
           </a:p>
@@ -748,7 +752,7 @@
           <a:p>
             <a:fld id="{B294ACA1-DD90-423C-AE1A-E2BA4AD9A605}" type="datetimeFigureOut">
               <a:rPr kumimoji="1" lang="ja-JP" altLang="en-US" smtClean="0"/>
-              <a:t>2025/6/6</a:t>
+              <a:t>2025/6/8</a:t>
             </a:fld>
             <a:endParaRPr kumimoji="1" lang="ja-JP" altLang="en-US"/>
           </a:p>
@@ -978,7 +982,7 @@
           <a:p>
             <a:fld id="{B294ACA1-DD90-423C-AE1A-E2BA4AD9A605}" type="datetimeFigureOut">
               <a:rPr kumimoji="1" lang="ja-JP" altLang="en-US" smtClean="0"/>
-              <a:t>2025/6/6</a:t>
+              <a:t>2025/6/8</a:t>
             </a:fld>
             <a:endParaRPr kumimoji="1" lang="ja-JP" altLang="en-US"/>
           </a:p>
@@ -1253,7 +1257,7 @@
           <a:p>
             <a:fld id="{B294ACA1-DD90-423C-AE1A-E2BA4AD9A605}" type="datetimeFigureOut">
               <a:rPr kumimoji="1" lang="ja-JP" altLang="en-US" smtClean="0"/>
-              <a:t>2025/6/6</a:t>
+              <a:t>2025/6/8</a:t>
             </a:fld>
             <a:endParaRPr kumimoji="1" lang="ja-JP" altLang="en-US"/>
           </a:p>
@@ -1582,7 +1586,7 @@
           <a:p>
             <a:fld id="{B294ACA1-DD90-423C-AE1A-E2BA4AD9A605}" type="datetimeFigureOut">
               <a:rPr kumimoji="1" lang="ja-JP" altLang="en-US" smtClean="0"/>
-              <a:t>2025/6/6</a:t>
+              <a:t>2025/6/8</a:t>
             </a:fld>
             <a:endParaRPr kumimoji="1" lang="ja-JP" altLang="en-US"/>
           </a:p>
@@ -2058,7 +2062,7 @@
           <a:p>
             <a:fld id="{B294ACA1-DD90-423C-AE1A-E2BA4AD9A605}" type="datetimeFigureOut">
               <a:rPr kumimoji="1" lang="ja-JP" altLang="en-US" smtClean="0"/>
-              <a:t>2025/6/6</a:t>
+              <a:t>2025/6/8</a:t>
             </a:fld>
             <a:endParaRPr kumimoji="1" lang="ja-JP" altLang="en-US"/>
           </a:p>
@@ -2199,7 +2203,7 @@
           <a:p>
             <a:fld id="{B294ACA1-DD90-423C-AE1A-E2BA4AD9A605}" type="datetimeFigureOut">
               <a:rPr kumimoji="1" lang="ja-JP" altLang="en-US" smtClean="0"/>
-              <a:t>2025/6/6</a:t>
+              <a:t>2025/6/8</a:t>
             </a:fld>
             <a:endParaRPr kumimoji="1" lang="ja-JP" altLang="en-US"/>
           </a:p>
@@ -2312,7 +2316,7 @@
           <a:p>
             <a:fld id="{B294ACA1-DD90-423C-AE1A-E2BA4AD9A605}" type="datetimeFigureOut">
               <a:rPr kumimoji="1" lang="ja-JP" altLang="en-US" smtClean="0"/>
-              <a:t>2025/6/6</a:t>
+              <a:t>2025/6/8</a:t>
             </a:fld>
             <a:endParaRPr kumimoji="1" lang="ja-JP" altLang="en-US"/>
           </a:p>
@@ -2655,7 +2659,7 @@
           <a:p>
             <a:fld id="{B294ACA1-DD90-423C-AE1A-E2BA4AD9A605}" type="datetimeFigureOut">
               <a:rPr kumimoji="1" lang="ja-JP" altLang="en-US" smtClean="0"/>
-              <a:t>2025/6/6</a:t>
+              <a:t>2025/6/8</a:t>
             </a:fld>
             <a:endParaRPr kumimoji="1" lang="ja-JP" altLang="en-US"/>
           </a:p>
@@ -2946,7 +2950,7 @@
           <a:p>
             <a:fld id="{B294ACA1-DD90-423C-AE1A-E2BA4AD9A605}" type="datetimeFigureOut">
               <a:rPr kumimoji="1" lang="ja-JP" altLang="en-US" smtClean="0"/>
-              <a:t>2025/6/6</a:t>
+              <a:t>2025/6/8</a:t>
             </a:fld>
             <a:endParaRPr kumimoji="1" lang="ja-JP" altLang="en-US"/>
           </a:p>
@@ -3219,7 +3223,7 @@
           <a:p>
             <a:fld id="{B294ACA1-DD90-423C-AE1A-E2BA4AD9A605}" type="datetimeFigureOut">
               <a:rPr kumimoji="1" lang="ja-JP" altLang="en-US" smtClean="0"/>
-              <a:t>2025/6/6</a:t>
+              <a:t>2025/6/8</a:t>
             </a:fld>
             <a:endParaRPr kumimoji="1" lang="ja-JP" altLang="en-US"/>
           </a:p>
@@ -3762,7 +3766,7 @@
           <p:cNvPr id="2" name="タイトル 1">
             <a:extLst>
               <a:ext uri="{FF2B5EF4-FFF2-40B4-BE49-F238E27FC236}">
-                <a16:creationId xmlns:a16="http://schemas.microsoft.com/office/drawing/2014/main" id="{966A532F-4165-533E-7CC5-1271427A1686}"/>
+                <a16:creationId xmlns:a16="http://schemas.microsoft.com/office/drawing/2014/main" id="{3D23E124-8A58-104E-746C-33255025E480}"/>
               </a:ext>
             </a:extLst>
           </p:cNvPr>
@@ -3780,7 +3784,23 @@
           <a:p>
             <a:r>
               <a:rPr lang="ja-JP" altLang="en-US" dirty="0"/>
-              <a:t>解放はいつ行うべき？</a:t>
+              <a:t>解放</a:t>
+            </a:r>
+            <a:r>
+              <a:rPr kumimoji="1" lang="ja-JP" altLang="en-US" dirty="0"/>
+              <a:t>処理</a:t>
+            </a:r>
+            <a:r>
+              <a:rPr kumimoji="1" lang="en-US" altLang="ja-JP" dirty="0"/>
+              <a:t>(</a:t>
+            </a:r>
+            <a:r>
+              <a:rPr kumimoji="1" lang="ja-JP" altLang="en-US" dirty="0"/>
+              <a:t>おさらい</a:t>
+            </a:r>
+            <a:r>
+              <a:rPr kumimoji="1" lang="en-US" altLang="ja-JP" dirty="0"/>
+              <a:t>)</a:t>
             </a:r>
             <a:endParaRPr kumimoji="1" lang="ja-JP" altLang="en-US" dirty="0"/>
           </a:p>
@@ -3791,7 +3811,7 @@
           <p:cNvPr id="3" name="コンテンツ プレースホルダー 2">
             <a:extLst>
               <a:ext uri="{FF2B5EF4-FFF2-40B4-BE49-F238E27FC236}">
-                <a16:creationId xmlns:a16="http://schemas.microsoft.com/office/drawing/2014/main" id="{ABBD7E61-458C-9795-7348-3995AFCA5B0C}"/>
+                <a16:creationId xmlns:a16="http://schemas.microsoft.com/office/drawing/2014/main" id="{8C3797C6-2552-7F5E-9449-8CF97254CB94}"/>
               </a:ext>
             </a:extLst>
           </p:cNvPr>
@@ -3807,74 +3827,82 @@
           <a:bodyPr/>
           <a:lstStyle/>
           <a:p>
+            <a:r>
+              <a:rPr kumimoji="1" lang="ja-JP" altLang="en-US" dirty="0"/>
+              <a:t>解放処理が必要な</a:t>
+            </a:r>
+            <a:r>
+              <a:rPr kumimoji="1" lang="en-US" altLang="ja-JP" dirty="0"/>
+              <a:t>”</a:t>
+            </a:r>
+            <a:r>
+              <a:rPr kumimoji="1" lang="ja-JP" altLang="en-US" dirty="0"/>
+              <a:t>資源</a:t>
+            </a:r>
+            <a:r>
+              <a:rPr kumimoji="1" lang="en-US" altLang="ja-JP" dirty="0"/>
+              <a:t>”</a:t>
+            </a:r>
+            <a:r>
+              <a:rPr kumimoji="1" lang="ja-JP" altLang="en-US" dirty="0"/>
+              <a:t>を扱うことは多い</a:t>
+            </a:r>
+            <a:endParaRPr lang="en-US" altLang="ja-JP" dirty="0"/>
+          </a:p>
+          <a:p>
+            <a:pPr lvl="1"/>
+            <a:r>
+              <a:rPr kumimoji="1" lang="en-US" altLang="ja-JP" dirty="0"/>
+              <a:t>OS</a:t>
+            </a:r>
+            <a:r>
+              <a:rPr kumimoji="1" lang="ja-JP" altLang="en-US" dirty="0"/>
+              <a:t>から借りてたメモリ領域、通信に使う識別子</a:t>
+            </a:r>
+            <a:r>
+              <a:rPr kumimoji="1" lang="en-US" altLang="ja-JP" dirty="0"/>
+              <a:t> </a:t>
+            </a:r>
+            <a:r>
+              <a:rPr kumimoji="1" lang="en-US" altLang="ja-JP" dirty="0" err="1"/>
+              <a:t>etc</a:t>
+            </a:r>
+            <a:r>
+              <a:rPr kumimoji="1" lang="en-US" altLang="ja-JP" dirty="0"/>
+              <a:t>…</a:t>
+            </a:r>
+          </a:p>
+          <a:p>
             <a:pPr marL="0" indent="0">
               <a:buNone/>
             </a:pPr>
+            <a:endParaRPr lang="en-US" altLang="ja-JP" dirty="0"/>
+          </a:p>
+          <a:p>
             <a:r>
               <a:rPr lang="ja-JP" altLang="en-US" dirty="0"/>
-              <a:t>ここからはコンパイラの気持ちを考える</a:t>
+              <a:t>解放を忘れると困ったことに</a:t>
             </a:r>
             <a:endParaRPr lang="en-US" altLang="ja-JP" dirty="0"/>
           </a:p>
           <a:p>
-            <a:pPr marL="0" indent="0">
-              <a:buNone/>
-            </a:pPr>
-            <a:r>
-              <a:rPr kumimoji="1" lang="ja-JP" altLang="en-US" dirty="0"/>
-              <a:t>資源の解放はいつ行うべきか？</a:t>
-            </a:r>
-            <a:endParaRPr kumimoji="1" lang="en-US" altLang="ja-JP" dirty="0"/>
-          </a:p>
-          <a:p>
-            <a:pPr marL="0" indent="0">
-              <a:buNone/>
-            </a:pPr>
+            <a:pPr lvl="1"/>
+            <a:r>
+              <a:rPr lang="ja-JP" altLang="en-US" dirty="0"/>
+              <a:t>現在でも一部の資源は再起動するまで使えなくなる</a:t>
+            </a:r>
             <a:endParaRPr lang="en-US" altLang="ja-JP" dirty="0"/>
           </a:p>
           <a:p>
-            <a:pPr marL="0" indent="0">
-              <a:buNone/>
-            </a:pPr>
-            <a:r>
-              <a:rPr kumimoji="1" lang="en-US" altLang="ja-JP" dirty="0"/>
-              <a:t>RAII</a:t>
-            </a:r>
-            <a:r>
-              <a:rPr kumimoji="1" lang="ja-JP" altLang="en-US" dirty="0"/>
-              <a:t>により、今や資源は値と紐づいている</a:t>
-            </a:r>
-            <a:endParaRPr kumimoji="1" lang="en-US" altLang="ja-JP" dirty="0"/>
-          </a:p>
-          <a:p>
-            <a:pPr marL="0" indent="0">
-              <a:buNone/>
-            </a:pPr>
+            <a:pPr lvl="1"/>
             <a:r>
               <a:rPr lang="ja-JP" altLang="en-US" dirty="0"/>
-              <a:t>値が使われるとき、資源は必ず存在</a:t>
+              <a:t>バグの原因になるかも</a:t>
             </a:r>
             <a:endParaRPr lang="en-US" altLang="ja-JP" dirty="0"/>
           </a:p>
           <a:p>
-            <a:pPr marL="0" indent="0">
-              <a:buNone/>
-            </a:pPr>
-            <a:r>
-              <a:rPr lang="ja-JP" altLang="en-US" b="1" dirty="0"/>
-              <a:t>値が使われなくなったら、資源を解放して良い</a:t>
-            </a:r>
-            <a:r>
-              <a:rPr lang="ja-JP" altLang="en-US" dirty="0"/>
-              <a:t>はず</a:t>
-            </a:r>
             <a:endParaRPr lang="en-US" altLang="ja-JP" dirty="0"/>
-          </a:p>
-          <a:p>
-            <a:pPr marL="0" indent="0">
-              <a:buNone/>
-            </a:pPr>
-            <a:endParaRPr kumimoji="1" lang="en-US" altLang="ja-JP" dirty="0"/>
           </a:p>
           <a:p>
             <a:pPr>
@@ -3883,7 +3911,7 @@
             </a:pPr>
             <a:r>
               <a:rPr lang="ja-JP" altLang="en-US" dirty="0"/>
-              <a:t>値が使われなくなるのはいつか？</a:t>
+              <a:t>解放忘れはどうにか静的に検出したい</a:t>
             </a:r>
             <a:endParaRPr lang="en-US" altLang="ja-JP" dirty="0"/>
           </a:p>
@@ -3892,7 +3920,7 @@
     </p:spTree>
     <p:extLst>
       <p:ext uri="{BB962C8B-B14F-4D97-AF65-F5344CB8AC3E}">
-        <p14:creationId xmlns:p14="http://schemas.microsoft.com/office/powerpoint/2010/main" val="3471966081"/>
+        <p14:creationId xmlns:p14="http://schemas.microsoft.com/office/powerpoint/2010/main" val="3969377077"/>
       </p:ext>
     </p:extLst>
   </p:cSld>
@@ -3924,7 +3952,7 @@
           <p:cNvPr id="2" name="タイトル 1">
             <a:extLst>
               <a:ext uri="{FF2B5EF4-FFF2-40B4-BE49-F238E27FC236}">
-                <a16:creationId xmlns:a16="http://schemas.microsoft.com/office/drawing/2014/main" id="{D6324033-47BD-302E-FD14-A399574A5656}"/>
+                <a16:creationId xmlns:a16="http://schemas.microsoft.com/office/drawing/2014/main" id="{BBBC37DD-FE0C-7AA8-DC40-5481778FC033}"/>
               </a:ext>
             </a:extLst>
           </p:cNvPr>
@@ -3942,7 +3970,7 @@
           <a:p>
             <a:r>
               <a:rPr kumimoji="1" lang="ja-JP" altLang="en-US" dirty="0"/>
-              <a:t>値が使われなくなるのはいつか</a:t>
+              <a:t>解放忘れの検出</a:t>
             </a:r>
           </a:p>
         </p:txBody>
@@ -3952,7 +3980,7 @@
           <p:cNvPr id="3" name="コンテンツ プレースホルダー 2">
             <a:extLst>
               <a:ext uri="{FF2B5EF4-FFF2-40B4-BE49-F238E27FC236}">
-                <a16:creationId xmlns:a16="http://schemas.microsoft.com/office/drawing/2014/main" id="{97EA53BC-B5FF-E9DD-0F53-AF2A724B3636}"/>
+                <a16:creationId xmlns:a16="http://schemas.microsoft.com/office/drawing/2014/main" id="{D27CBE51-2AF0-1D62-703B-AEA54982050F}"/>
               </a:ext>
             </a:extLst>
           </p:cNvPr>
@@ -3972,9 +4000,49 @@
               <a:buNone/>
             </a:pPr>
             <a:r>
+              <a:rPr kumimoji="1" lang="ja-JP" altLang="en-US" dirty="0"/>
+              <a:t>勝手にやる？叱る？</a:t>
+            </a:r>
+            <a:endParaRPr kumimoji="1" lang="en-US" altLang="ja-JP" dirty="0"/>
+          </a:p>
+          <a:p>
+            <a:r>
+              <a:rPr kumimoji="1" lang="ja-JP" altLang="en-US" dirty="0"/>
+              <a:t>「解放を自動で行おう」</a:t>
+            </a:r>
+            <a:br>
+              <a:rPr kumimoji="1" lang="en-US" altLang="ja-JP" dirty="0"/>
+            </a:br>
+            <a:r>
+              <a:rPr kumimoji="1" lang="en-US" altLang="ja-JP" dirty="0"/>
+              <a:t>(C++/Rust, Java/</a:t>
+            </a:r>
+            <a:r>
+              <a:rPr lang="en-US" altLang="ja-JP" dirty="0"/>
+              <a:t>C#/Python/JS…</a:t>
+            </a:r>
+            <a:r>
+              <a:rPr kumimoji="1" lang="en-US" altLang="ja-JP" dirty="0"/>
+              <a:t>)</a:t>
+            </a:r>
+          </a:p>
+          <a:p>
+            <a:r>
               <a:rPr lang="ja-JP" altLang="en-US" dirty="0"/>
-              <a:t>入門講座「スコープが切れた変数は使えませんよ～」</a:t>
-            </a:r>
+              <a:t>「解放を忘れたらエラーを出そう」</a:t>
+            </a:r>
+            <a:br>
+              <a:rPr lang="en-US" altLang="ja-JP" dirty="0"/>
+            </a:br>
+            <a:r>
+              <a:rPr lang="en-US" altLang="ja-JP" dirty="0"/>
+              <a:t>(Linear Haskell)</a:t>
+            </a:r>
+          </a:p>
+          <a:p>
+            <a:pPr marL="0" indent="0">
+              <a:buNone/>
+            </a:pPr>
             <a:endParaRPr lang="en-US" altLang="ja-JP" dirty="0"/>
           </a:p>
           <a:p>
@@ -3983,56 +4051,16 @@
             </a:pPr>
             <a:r>
               <a:rPr lang="ja-JP" altLang="en-US" dirty="0"/>
-              <a:t>これでは？</a:t>
+              <a:t>今回は自動で行うほうを解説</a:t>
             </a:r>
             <a:endParaRPr lang="en-US" altLang="ja-JP" dirty="0"/>
-          </a:p>
-          <a:p>
-            <a:pPr marL="0" indent="0">
-              <a:buNone/>
-            </a:pPr>
-            <a:endParaRPr lang="en-US" altLang="ja-JP" dirty="0"/>
-          </a:p>
-          <a:p>
-            <a:pPr marL="0" indent="0">
-              <a:buNone/>
-            </a:pPr>
-            <a:r>
-              <a:rPr lang="ja-JP" altLang="en-US" b="1" dirty="0"/>
-              <a:t>変数のスコープが切れた時点が、値を使わなくなる時点では？？</a:t>
-            </a:r>
-            <a:endParaRPr lang="en-US" altLang="ja-JP" b="1" dirty="0"/>
-          </a:p>
-          <a:p>
-            <a:pPr marL="0" indent="0">
-              <a:buNone/>
-            </a:pPr>
-            <a:endParaRPr lang="en-US" altLang="ja-JP" b="1" dirty="0"/>
-          </a:p>
-          <a:p>
-            <a:pPr marL="0" indent="0">
-              <a:buNone/>
-            </a:pPr>
-            <a:r>
-              <a:rPr lang="en-US" altLang="ja-JP" dirty="0"/>
-              <a:t>C++</a:t>
-            </a:r>
-            <a:r>
-              <a:rPr lang="ja-JP" altLang="en-US" dirty="0"/>
-              <a:t>は確信、走り出した</a:t>
-            </a:r>
-            <a:r>
-              <a:rPr lang="ja-JP" altLang="en-US" b="1" dirty="0"/>
-              <a:t>───</a:t>
-            </a:r>
-            <a:endParaRPr lang="en-US" altLang="ja-JP" b="1" dirty="0"/>
           </a:p>
         </p:txBody>
       </p:sp>
     </p:spTree>
     <p:extLst>
       <p:ext uri="{BB962C8B-B14F-4D97-AF65-F5344CB8AC3E}">
-        <p14:creationId xmlns:p14="http://schemas.microsoft.com/office/powerpoint/2010/main" val="2931082652"/>
+        <p14:creationId xmlns:p14="http://schemas.microsoft.com/office/powerpoint/2010/main" val="2025184040"/>
       </p:ext>
     </p:extLst>
   </p:cSld>
@@ -4064,7 +4092,7 @@
           <p:cNvPr id="2" name="タイトル 1">
             <a:extLst>
               <a:ext uri="{FF2B5EF4-FFF2-40B4-BE49-F238E27FC236}">
-                <a16:creationId xmlns:a16="http://schemas.microsoft.com/office/drawing/2014/main" id="{EF59E488-6C2F-8D19-34C2-F86302A61B79}"/>
+                <a16:creationId xmlns:a16="http://schemas.microsoft.com/office/drawing/2014/main" id="{966A532F-4165-533E-7CC5-1271427A1686}"/>
               </a:ext>
             </a:extLst>
           </p:cNvPr>
@@ -4082,7 +4110,7 @@
           <a:p>
             <a:r>
               <a:rPr lang="ja-JP" altLang="en-US" dirty="0"/>
-              <a:t>デストラクタ</a:t>
+              <a:t>解放はいつ行うべき？</a:t>
             </a:r>
             <a:endParaRPr kumimoji="1" lang="ja-JP" altLang="en-US" dirty="0"/>
           </a:p>
@@ -4093,7 +4121,7 @@
           <p:cNvPr id="3" name="コンテンツ プレースホルダー 2">
             <a:extLst>
               <a:ext uri="{FF2B5EF4-FFF2-40B4-BE49-F238E27FC236}">
-                <a16:creationId xmlns:a16="http://schemas.microsoft.com/office/drawing/2014/main" id="{36C46202-43C4-D181-EA9C-9F4D13202001}"/>
+                <a16:creationId xmlns:a16="http://schemas.microsoft.com/office/drawing/2014/main" id="{ABBD7E61-458C-9795-7348-3995AFCA5B0C}"/>
               </a:ext>
             </a:extLst>
           </p:cNvPr>
@@ -4113,12 +4141,38 @@
               <a:buNone/>
             </a:pPr>
             <a:r>
+              <a:rPr lang="ja-JP" altLang="en-US" dirty="0"/>
+              <a:t>ここからはコンパイラの気持ちを考える</a:t>
+            </a:r>
+            <a:endParaRPr lang="en-US" altLang="ja-JP" dirty="0"/>
+          </a:p>
+          <a:p>
+            <a:pPr marL="0" indent="0">
+              <a:buNone/>
+            </a:pPr>
+            <a:r>
+              <a:rPr kumimoji="1" lang="ja-JP" altLang="en-US" dirty="0"/>
+              <a:t>資源の解放はいつ行うべきか？</a:t>
+            </a:r>
+            <a:endParaRPr kumimoji="1" lang="en-US" altLang="ja-JP" dirty="0"/>
+          </a:p>
+          <a:p>
+            <a:pPr marL="0" indent="0">
+              <a:buNone/>
+            </a:pPr>
+            <a:endParaRPr lang="en-US" altLang="ja-JP" dirty="0"/>
+          </a:p>
+          <a:p>
+            <a:pPr marL="0" indent="0">
+              <a:buNone/>
+            </a:pPr>
+            <a:r>
               <a:rPr kumimoji="1" lang="en-US" altLang="ja-JP" dirty="0"/>
-              <a:t>TODO: </a:t>
+              <a:t>RAII</a:t>
             </a:r>
             <a:r>
               <a:rPr kumimoji="1" lang="ja-JP" altLang="en-US" dirty="0"/>
-              <a:t>構文を解説するスクショ、テクスチャの例のスクショ</a:t>
+              <a:t>により、今や資源は値と紐づいている</a:t>
             </a:r>
             <a:endParaRPr kumimoji="1" lang="en-US" altLang="ja-JP" dirty="0"/>
           </a:p>
@@ -4126,6 +4180,41 @@
             <a:pPr marL="0" indent="0">
               <a:buNone/>
             </a:pPr>
+            <a:r>
+              <a:rPr lang="ja-JP" altLang="en-US" dirty="0"/>
+              <a:t>値が使われるとき、資源は必ず存在</a:t>
+            </a:r>
+            <a:endParaRPr lang="en-US" altLang="ja-JP" dirty="0"/>
+          </a:p>
+          <a:p>
+            <a:pPr marL="0" indent="0">
+              <a:buNone/>
+            </a:pPr>
+            <a:r>
+              <a:rPr lang="ja-JP" altLang="en-US" b="1" dirty="0"/>
+              <a:t>値が使われなくなったら、資源を解放して良い</a:t>
+            </a:r>
+            <a:r>
+              <a:rPr lang="ja-JP" altLang="en-US" dirty="0"/>
+              <a:t>はず</a:t>
+            </a:r>
+            <a:endParaRPr lang="en-US" altLang="ja-JP" dirty="0"/>
+          </a:p>
+          <a:p>
+            <a:pPr marL="0" indent="0">
+              <a:buNone/>
+            </a:pPr>
+            <a:endParaRPr kumimoji="1" lang="en-US" altLang="ja-JP" dirty="0"/>
+          </a:p>
+          <a:p>
+            <a:pPr>
+              <a:buFont typeface="Wingdings" panose="05000000000000000000" pitchFamily="2" charset="2"/>
+              <a:buChar char="è"/>
+            </a:pPr>
+            <a:r>
+              <a:rPr lang="ja-JP" altLang="en-US" dirty="0"/>
+              <a:t>値が使われなくなるのはいつか？</a:t>
+            </a:r>
             <a:endParaRPr lang="en-US" altLang="ja-JP" dirty="0"/>
           </a:p>
         </p:txBody>
@@ -4133,7 +4222,7 @@
     </p:spTree>
     <p:extLst>
       <p:ext uri="{BB962C8B-B14F-4D97-AF65-F5344CB8AC3E}">
-        <p14:creationId xmlns:p14="http://schemas.microsoft.com/office/powerpoint/2010/main" val="639860486"/>
+        <p14:creationId xmlns:p14="http://schemas.microsoft.com/office/powerpoint/2010/main" val="3471966081"/>
       </p:ext>
     </p:extLst>
   </p:cSld>
@@ -4148,13 +4237,7 @@
   <p:cSld>
     <p:spTree>
       <p:nvGrpSpPr>
-        <p:cNvPr id="1" name="">
-          <a:extLst>
-            <a:ext uri="{FF2B5EF4-FFF2-40B4-BE49-F238E27FC236}">
-              <a16:creationId xmlns:a16="http://schemas.microsoft.com/office/drawing/2014/main" id="{21A9B369-3E3F-42F8-1487-A491ED3BCF3D}"/>
-            </a:ext>
-          </a:extLst>
-        </p:cNvPr>
+        <p:cNvPr id="1" name=""/>
         <p:cNvGrpSpPr/>
         <p:nvPr/>
       </p:nvGrpSpPr>
@@ -4171,7 +4254,7 @@
           <p:cNvPr id="2" name="タイトル 1">
             <a:extLst>
               <a:ext uri="{FF2B5EF4-FFF2-40B4-BE49-F238E27FC236}">
-                <a16:creationId xmlns:a16="http://schemas.microsoft.com/office/drawing/2014/main" id="{32FC1404-12A5-40FC-A466-24DD3043559A}"/>
+                <a16:creationId xmlns:a16="http://schemas.microsoft.com/office/drawing/2014/main" id="{D6324033-47BD-302E-FD14-A399574A5656}"/>
               </a:ext>
             </a:extLst>
           </p:cNvPr>
@@ -4188,37 +4271,49 @@
           <a:lstStyle/>
           <a:p>
             <a:r>
+              <a:rPr kumimoji="1" lang="ja-JP" altLang="en-US" dirty="0"/>
+              <a:t>値が使われなくなるのはいつか</a:t>
+            </a:r>
+          </a:p>
+        </p:txBody>
+      </p:sp>
+      <p:sp>
+        <p:nvSpPr>
+          <p:cNvPr id="3" name="コンテンツ プレースホルダー 2">
+            <a:extLst>
+              <a:ext uri="{FF2B5EF4-FFF2-40B4-BE49-F238E27FC236}">
+                <a16:creationId xmlns:a16="http://schemas.microsoft.com/office/drawing/2014/main" id="{97EA53BC-B5FF-E9DD-0F53-AF2A724B3636}"/>
+              </a:ext>
+            </a:extLst>
+          </p:cNvPr>
+          <p:cNvSpPr>
+            <a:spLocks noGrp="1"/>
+          </p:cNvSpPr>
+          <p:nvPr>
+            <p:ph idx="1"/>
+          </p:nvPr>
+        </p:nvSpPr>
+        <p:spPr/>
+        <p:txBody>
+          <a:bodyPr/>
+          <a:lstStyle/>
+          <a:p>
+            <a:pPr marL="0" indent="0">
+              <a:buNone/>
+            </a:pPr>
+            <a:r>
               <a:rPr lang="ja-JP" altLang="en-US" dirty="0"/>
-              <a:t>デストラクタ</a:t>
-            </a:r>
-            <a:endParaRPr kumimoji="1" lang="ja-JP" altLang="en-US" dirty="0"/>
-          </a:p>
-        </p:txBody>
-      </p:sp>
-      <p:sp>
-        <p:nvSpPr>
-          <p:cNvPr id="3" name="コンテンツ プレースホルダー 2">
-            <a:extLst>
-              <a:ext uri="{FF2B5EF4-FFF2-40B4-BE49-F238E27FC236}">
-                <a16:creationId xmlns:a16="http://schemas.microsoft.com/office/drawing/2014/main" id="{DFDA7F27-A7E6-65C0-881B-C0AC04B17D41}"/>
-              </a:ext>
-            </a:extLst>
-          </p:cNvPr>
-          <p:cNvSpPr>
-            <a:spLocks noGrp="1"/>
-          </p:cNvSpPr>
-          <p:nvPr>
-            <p:ph idx="1"/>
-          </p:nvPr>
-        </p:nvSpPr>
-        <p:spPr/>
-        <p:txBody>
-          <a:bodyPr/>
-          <a:lstStyle/>
-          <a:p>
+              <a:t>入門講座「スコープが切れた変数は使えませんよ～」</a:t>
+            </a:r>
+            <a:endParaRPr lang="en-US" altLang="ja-JP" dirty="0"/>
+          </a:p>
+          <a:p>
+            <a:pPr marL="0" indent="0">
+              <a:buNone/>
+            </a:pPr>
             <a:r>
               <a:rPr lang="ja-JP" altLang="en-US" dirty="0"/>
-              <a:t>変数のスコープが切れる段階で呼ばれる</a:t>
+              <a:t>これでは？</a:t>
             </a:r>
             <a:endParaRPr lang="en-US" altLang="ja-JP" dirty="0"/>
           </a:p>
@@ -4233,42 +4328,64 @@
               <a:buNone/>
             </a:pPr>
             <a:r>
+              <a:rPr lang="ja-JP" altLang="en-US" b="1" dirty="0"/>
+              <a:t>変数のスコープが切れた</a:t>
+            </a:r>
+            <a:r>
+              <a:rPr lang="en-US" altLang="ja-JP" b="1" dirty="0"/>
+              <a:t>(= </a:t>
+            </a:r>
+            <a:r>
+              <a:rPr lang="ja-JP" altLang="en-US" b="1" dirty="0"/>
+              <a:t>寿命が切れた</a:t>
+            </a:r>
+            <a:r>
+              <a:rPr lang="en-US" altLang="ja-JP" b="1" dirty="0"/>
+              <a:t>)</a:t>
+            </a:r>
+            <a:r>
+              <a:rPr lang="ja-JP" altLang="en-US" b="1" dirty="0"/>
+              <a:t>時点が、</a:t>
+            </a:r>
+            <a:br>
+              <a:rPr lang="en-US" altLang="ja-JP" b="1" dirty="0"/>
+            </a:br>
+            <a:r>
+              <a:rPr lang="ja-JP" altLang="en-US" b="1" dirty="0"/>
+              <a:t>値を使わなくなる時点では？？</a:t>
+            </a:r>
+            <a:endParaRPr lang="en-US" altLang="ja-JP" b="1" dirty="0"/>
+          </a:p>
+          <a:p>
+            <a:pPr marL="0" indent="0">
+              <a:buNone/>
+            </a:pPr>
+            <a:endParaRPr lang="en-US" altLang="ja-JP" b="1" dirty="0"/>
+          </a:p>
+          <a:p>
+            <a:pPr marL="0" indent="0">
+              <a:buNone/>
+            </a:pPr>
+            <a:r>
               <a:rPr lang="en-US" altLang="ja-JP" dirty="0"/>
-              <a:t>MEMO:</a:t>
-            </a:r>
-          </a:p>
-          <a:p>
-            <a:pPr marL="0" indent="0">
-              <a:buNone/>
-            </a:pPr>
+              <a:t>C++</a:t>
+            </a:r>
             <a:r>
               <a:rPr lang="ja-JP" altLang="en-US" dirty="0"/>
-              <a:t>ほんとは初期化されたのと逆順で</a:t>
-            </a:r>
-            <a:r>
-              <a:rPr lang="en-US" altLang="ja-JP" dirty="0"/>
-              <a:t>…</a:t>
-            </a:r>
-            <a:r>
-              <a:rPr lang="ja-JP" altLang="en-US" dirty="0"/>
-              <a:t>とか、なぜかと言うと参照やグローバル変数が</a:t>
-            </a:r>
-            <a:r>
-              <a:rPr lang="en-US" altLang="ja-JP" dirty="0"/>
-              <a:t>…</a:t>
-            </a:r>
-            <a:r>
-              <a:rPr lang="ja-JP" altLang="en-US" dirty="0"/>
-              <a:t>とかしゃべりたいが、今はまだ話せないので閉口</a:t>
-            </a:r>
-            <a:endParaRPr lang="en-US" altLang="ja-JP" dirty="0"/>
+              <a:t>は確信、走り出した</a:t>
+            </a:r>
+            <a:r>
+              <a:rPr lang="ja-JP" altLang="en-US" b="1" dirty="0"/>
+              <a:t>───</a:t>
+            </a:r>
+            <a:endParaRPr lang="en-US" altLang="ja-JP" b="1" dirty="0"/>
           </a:p>
         </p:txBody>
       </p:sp>
     </p:spTree>
     <p:extLst>
       <p:ext uri="{BB962C8B-B14F-4D97-AF65-F5344CB8AC3E}">
-        <p14:creationId xmlns:p14="http://schemas.microsoft.com/office/powerpoint/2010/main" val="289282972"/>
+        <p14:creationId xmlns:p14="http://schemas.microsoft.com/office/powerpoint/2010/main" val="2931082652"/>
       </p:ext>
     </p:extLst>
   </p:cSld>
@@ -4300,7 +4417,7 @@
           <p:cNvPr id="2" name="タイトル 1">
             <a:extLst>
               <a:ext uri="{FF2B5EF4-FFF2-40B4-BE49-F238E27FC236}">
-                <a16:creationId xmlns:a16="http://schemas.microsoft.com/office/drawing/2014/main" id="{57767B47-70F2-B5B4-442F-49E68158BDC0}"/>
+                <a16:creationId xmlns:a16="http://schemas.microsoft.com/office/drawing/2014/main" id="{EF59E488-6C2F-8D19-34C2-F86302A61B79}"/>
               </a:ext>
             </a:extLst>
           </p:cNvPr>
@@ -4317,28 +4434,8 @@
           <a:lstStyle/>
           <a:p>
             <a:r>
-              <a:rPr lang="en-US" altLang="ja-JP" dirty="0"/>
-              <a:t>“</a:t>
-            </a:r>
-            <a:r>
               <a:rPr lang="ja-JP" altLang="en-US" dirty="0"/>
-              <a:t>値</a:t>
-            </a:r>
-            <a:r>
-              <a:rPr lang="en-US" altLang="ja-JP" dirty="0"/>
-              <a:t>”</a:t>
-            </a:r>
-            <a:r>
-              <a:rPr lang="ja-JP" altLang="en-US" dirty="0"/>
-              <a:t>は単なる</a:t>
-            </a:r>
-            <a:r>
-              <a:rPr lang="en-US" altLang="ja-JP" dirty="0"/>
-              <a:t>01</a:t>
-            </a:r>
-            <a:r>
-              <a:rPr lang="ja-JP" altLang="en-US" dirty="0"/>
-              <a:t>ではない</a:t>
+              <a:t>デストラクタ</a:t>
             </a:r>
             <a:endParaRPr kumimoji="1" lang="ja-JP" altLang="en-US" dirty="0"/>
           </a:p>
@@ -4349,7 +4446,7 @@
           <p:cNvPr id="3" name="コンテンツ プレースホルダー 2">
             <a:extLst>
               <a:ext uri="{FF2B5EF4-FFF2-40B4-BE49-F238E27FC236}">
-                <a16:creationId xmlns:a16="http://schemas.microsoft.com/office/drawing/2014/main" id="{ABCC9D3C-7064-EBA4-7832-E802DF8FD605}"/>
+                <a16:creationId xmlns:a16="http://schemas.microsoft.com/office/drawing/2014/main" id="{36C46202-43C4-D181-EA9C-9F4D13202001}"/>
               </a:ext>
             </a:extLst>
           </p:cNvPr>
@@ -4365,99 +4462,59 @@
           <a:bodyPr/>
           <a:lstStyle/>
           <a:p>
-            <a:r>
-              <a:rPr lang="ja-JP" altLang="en-US" dirty="0"/>
-              <a:t>不正な状態を取ってはならない</a:t>
-            </a:r>
+            <a:pPr marL="0" indent="0">
+              <a:buNone/>
+            </a:pPr>
+            <a:endParaRPr kumimoji="1" lang="en-US" altLang="ja-JP" dirty="0"/>
+          </a:p>
+          <a:p>
+            <a:pPr marL="0" indent="0">
+              <a:buNone/>
+            </a:pPr>
             <a:endParaRPr lang="en-US" altLang="ja-JP" dirty="0"/>
           </a:p>
-          <a:p>
-            <a:pPr lvl="1"/>
-            <a:r>
-              <a:rPr kumimoji="1" lang="ja-JP" altLang="en-US" dirty="0"/>
-              <a:t>未初期化だったりしない</a:t>
-            </a:r>
-            <a:endParaRPr kumimoji="1" lang="en-US" altLang="ja-JP" dirty="0"/>
-          </a:p>
-          <a:p>
-            <a:r>
-              <a:rPr kumimoji="1" lang="ja-JP" altLang="en-US" dirty="0"/>
-              <a:t>資源と結びついており、それらは解放されなくてはならない</a:t>
-            </a:r>
-            <a:endParaRPr kumimoji="1" lang="en-US" altLang="ja-JP" dirty="0"/>
-          </a:p>
-          <a:p>
-            <a:pPr marL="0" indent="0">
-              <a:buNone/>
-            </a:pPr>
-            <a:endParaRPr kumimoji="1" lang="en-US" altLang="ja-JP" dirty="0"/>
-          </a:p>
-          <a:p>
-            <a:pPr marL="0" indent="0">
-              <a:buNone/>
-            </a:pPr>
-            <a:r>
-              <a:rPr lang="ja-JP" altLang="en-US" dirty="0"/>
-              <a:t>解放までを含め、</a:t>
-            </a:r>
-            <a:r>
-              <a:rPr lang="en-US" altLang="ja-JP" dirty="0"/>
-              <a:t>RAII</a:t>
-            </a:r>
-            <a:r>
-              <a:rPr lang="ja-JP" altLang="en-US" dirty="0"/>
-              <a:t>と呼ぶ</a:t>
-            </a:r>
-            <a:endParaRPr lang="en-US" altLang="ja-JP" dirty="0"/>
-          </a:p>
-          <a:p>
-            <a:pPr marL="0" indent="0">
-              <a:buNone/>
-            </a:pPr>
-            <a:endParaRPr kumimoji="1" lang="en-US" altLang="ja-JP" dirty="0"/>
-          </a:p>
-          <a:p>
-            <a:pPr marL="0" indent="0">
-              <a:buNone/>
-            </a:pPr>
-            <a:r>
-              <a:rPr kumimoji="1" lang="ja-JP" altLang="en-US" dirty="0"/>
-              <a:t>このとき、資源を使えるか</a:t>
-            </a:r>
-            <a:r>
-              <a:rPr kumimoji="1" lang="en-US" altLang="ja-JP" dirty="0"/>
-              <a:t>/</a:t>
-            </a:r>
-            <a:r>
-              <a:rPr kumimoji="1" lang="ja-JP" altLang="en-US" dirty="0"/>
-              <a:t>解放して良いかは値に紐づいている</a:t>
-            </a:r>
-            <a:endParaRPr kumimoji="1" lang="en-US" altLang="ja-JP" dirty="0"/>
-          </a:p>
-          <a:p>
-            <a:pPr marL="0" indent="0">
-              <a:buNone/>
-            </a:pPr>
-            <a:r>
-              <a:rPr lang="ja-JP" altLang="en-US" dirty="0"/>
-              <a:t>この「資源を扱う権利」を「所有権</a:t>
-            </a:r>
-            <a:r>
-              <a:rPr lang="en-US" altLang="ja-JP" dirty="0"/>
-              <a:t>(ownership)</a:t>
-            </a:r>
-            <a:r>
-              <a:rPr lang="ja-JP" altLang="en-US" dirty="0"/>
-              <a:t>」と言う</a:t>
-            </a:r>
-            <a:endParaRPr kumimoji="1" lang="ja-JP" altLang="en-US" dirty="0"/>
-          </a:p>
-        </p:txBody>
-      </p:sp>
+        </p:txBody>
+      </p:sp>
+      <p:pic>
+        <p:nvPicPr>
+          <p:cNvPr id="5" name="図 4" descr="テキスト&#10;&#10;AI 生成コンテンツは誤りを含む可能性があります。">
+            <a:extLst>
+              <a:ext uri="{FF2B5EF4-FFF2-40B4-BE49-F238E27FC236}">
+                <a16:creationId xmlns:a16="http://schemas.microsoft.com/office/drawing/2014/main" id="{33998735-B770-ABF2-948F-C4F9071D1060}"/>
+              </a:ext>
+            </a:extLst>
+          </p:cNvPr>
+          <p:cNvPicPr>
+            <a:picLocks noChangeAspect="1"/>
+          </p:cNvPicPr>
+          <p:nvPr/>
+        </p:nvPicPr>
+        <p:blipFill>
+          <a:blip r:embed="rId2">
+            <a:extLst>
+              <a:ext uri="{28A0092B-C50C-407E-A947-70E740481C1C}">
+                <a14:useLocalDpi xmlns:a14="http://schemas.microsoft.com/office/drawing/2010/main" val="0"/>
+              </a:ext>
+            </a:extLst>
+          </a:blip>
+          <a:stretch>
+            <a:fillRect/>
+          </a:stretch>
+        </p:blipFill>
+        <p:spPr>
+          <a:xfrm>
+            <a:off x="2563197" y="1485586"/>
+            <a:ext cx="5563376" cy="4496427"/>
+          </a:xfrm>
+          <a:prstGeom prst="rect">
+            <a:avLst/>
+          </a:prstGeom>
+        </p:spPr>
+      </p:pic>
     </p:spTree>
     <p:extLst>
       <p:ext uri="{BB962C8B-B14F-4D97-AF65-F5344CB8AC3E}">
-        <p14:creationId xmlns:p14="http://schemas.microsoft.com/office/powerpoint/2010/main" val="567863911"/>
+        <p14:creationId xmlns:p14="http://schemas.microsoft.com/office/powerpoint/2010/main" val="639860486"/>
       </p:ext>
     </p:extLst>
   </p:cSld>
@@ -4472,7 +4529,13 @@
   <p:cSld>
     <p:spTree>
       <p:nvGrpSpPr>
-        <p:cNvPr id="1" name=""/>
+        <p:cNvPr id="1" name="">
+          <a:extLst>
+            <a:ext uri="{FF2B5EF4-FFF2-40B4-BE49-F238E27FC236}">
+              <a16:creationId xmlns:a16="http://schemas.microsoft.com/office/drawing/2014/main" id="{21A9B369-3E3F-42F8-1487-A491ED3BCF3D}"/>
+            </a:ext>
+          </a:extLst>
+        </p:cNvPr>
         <p:cNvGrpSpPr/>
         <p:nvPr/>
       </p:nvGrpSpPr>
@@ -4489,7 +4552,7 @@
           <p:cNvPr id="2" name="タイトル 1">
             <a:extLst>
               <a:ext uri="{FF2B5EF4-FFF2-40B4-BE49-F238E27FC236}">
-                <a16:creationId xmlns:a16="http://schemas.microsoft.com/office/drawing/2014/main" id="{BECD024A-D8F4-94B3-C0FD-D06E7ABE889B}"/>
+                <a16:creationId xmlns:a16="http://schemas.microsoft.com/office/drawing/2014/main" id="{32FC1404-12A5-40FC-A466-24DD3043559A}"/>
               </a:ext>
             </a:extLst>
           </p:cNvPr>
@@ -4502,20 +4565,14 @@
         </p:nvSpPr>
         <p:spPr/>
         <p:txBody>
-          <a:bodyPr>
-            <a:normAutofit/>
-          </a:bodyPr>
-          <a:lstStyle/>
-          <a:p>
-            <a:r>
-              <a:rPr lang="ja-JP" altLang="en-US" sz="4000" dirty="0"/>
-              <a:t>値の生存と変数のスコープはホントに一緒</a:t>
-            </a:r>
-            <a:r>
-              <a:rPr lang="en-US" altLang="ja-JP" sz="4000" dirty="0"/>
-              <a:t>?</a:t>
-            </a:r>
-            <a:endParaRPr kumimoji="1" lang="ja-JP" altLang="en-US" sz="4000" dirty="0"/>
+          <a:bodyPr/>
+          <a:lstStyle/>
+          <a:p>
+            <a:r>
+              <a:rPr lang="ja-JP" altLang="en-US" dirty="0"/>
+              <a:t>デストラクタ</a:t>
+            </a:r>
+            <a:endParaRPr kumimoji="1" lang="ja-JP" altLang="en-US" dirty="0"/>
           </a:p>
         </p:txBody>
       </p:sp>
@@ -4524,7 +4581,7 @@
           <p:cNvPr id="3" name="コンテンツ プレースホルダー 2">
             <a:extLst>
               <a:ext uri="{FF2B5EF4-FFF2-40B4-BE49-F238E27FC236}">
-                <a16:creationId xmlns:a16="http://schemas.microsoft.com/office/drawing/2014/main" id="{83310E9E-C9BE-A1E9-174E-ECA2C168926D}"/>
+                <a16:creationId xmlns:a16="http://schemas.microsoft.com/office/drawing/2014/main" id="{DFDA7F27-A7E6-65C0-881B-C0AC04B17D41}"/>
               </a:ext>
             </a:extLst>
           </p:cNvPr>
@@ -4544,48 +4601,18 @@
               <a:buNone/>
             </a:pPr>
             <a:r>
-              <a:rPr kumimoji="1" lang="en-US" altLang="ja-JP" dirty="0"/>
-              <a:t>TODO: </a:t>
-            </a:r>
-            <a:r>
-              <a:rPr kumimoji="1" lang="ja-JP" altLang="en-US" dirty="0"/>
-              <a:t>１</a:t>
-            </a:r>
-            <a:r>
-              <a:rPr kumimoji="1" lang="en-US" altLang="ja-JP" dirty="0"/>
-              <a:t>`A </a:t>
-            </a:r>
-            <a:r>
-              <a:rPr kumimoji="1" lang="en-US" altLang="ja-JP" dirty="0" err="1"/>
-              <a:t>a</a:t>
-            </a:r>
-            <a:r>
-              <a:rPr kumimoji="1" lang="en-US" altLang="ja-JP" dirty="0"/>
-              <a:t> = …; A b = a;`</a:t>
-            </a:r>
-            <a:r>
-              <a:rPr kumimoji="1" lang="ja-JP" altLang="en-US" dirty="0"/>
-              <a:t>とか、</a:t>
-            </a:r>
-            <a:r>
-              <a:rPr kumimoji="1" lang="en-US" altLang="ja-JP" dirty="0"/>
-              <a:t>2`A a = …; B b{.a2 = a};`</a:t>
-            </a:r>
-            <a:r>
-              <a:rPr kumimoji="1" lang="ja-JP" altLang="en-US" dirty="0"/>
-              <a:t>とか</a:t>
-            </a:r>
-            <a:r>
               <a:rPr lang="ja-JP" altLang="en-US" dirty="0"/>
-              <a:t>、</a:t>
-            </a:r>
-            <a:r>
-              <a:rPr lang="en-US" altLang="ja-JP" dirty="0"/>
-              <a:t>3`A a = …; a = …;`</a:t>
-            </a:r>
+              <a:t>変数の寿命が切れる段階で呼ばれる</a:t>
+            </a:r>
+            <a:endParaRPr lang="en-US" altLang="ja-JP" dirty="0"/>
+          </a:p>
+          <a:p>
+            <a:pPr marL="0" indent="0">
+              <a:buNone/>
+            </a:pPr>
             <a:r>
               <a:rPr lang="ja-JP" altLang="en-US" dirty="0"/>
-              <a:t>とか</a:t>
+              <a:t>ここで資源の解放を行う</a:t>
             </a:r>
             <a:endParaRPr lang="en-US" altLang="ja-JP" dirty="0"/>
           </a:p>
@@ -4600,23 +4627,19 @@
               <a:buNone/>
             </a:pPr>
             <a:r>
-              <a:rPr lang="en-US" altLang="ja-JP" dirty="0"/>
-              <a:t>1, 2</a:t>
-            </a:r>
-            <a:r>
               <a:rPr lang="ja-JP" altLang="en-US" dirty="0"/>
-              <a:t>では二重に解放されてしまい、</a:t>
-            </a:r>
-            <a:br>
-              <a:rPr lang="en-US" altLang="ja-JP" dirty="0"/>
-            </a:br>
-            <a:r>
-              <a:rPr lang="en-US" altLang="ja-JP" dirty="0"/>
-              <a:t>3</a:t>
-            </a:r>
+              <a:t>早期リターンでも、それまでのローカル変数の寿命は切れる</a:t>
+            </a:r>
+            <a:endParaRPr lang="en-US" altLang="ja-JP" dirty="0"/>
+          </a:p>
+          <a:p>
+            <a:pPr>
+              <a:buFont typeface="Wingdings" panose="05000000000000000000" pitchFamily="2" charset="2"/>
+              <a:buChar char="è"/>
+            </a:pPr>
             <a:r>
               <a:rPr lang="ja-JP" altLang="en-US" dirty="0"/>
-              <a:t>では先に入ってた値が解放されない</a:t>
+              <a:t> デストラクタは呼ばれる！</a:t>
             </a:r>
             <a:endParaRPr lang="en-US" altLang="ja-JP" dirty="0"/>
           </a:p>
@@ -4630,48 +4653,14 @@
             <a:pPr marL="0" indent="0">
               <a:buNone/>
             </a:pPr>
-            <a:r>
-              <a:rPr kumimoji="1" lang="ja-JP" altLang="en-US" dirty="0"/>
-              <a:t>ダメでした─── </a:t>
-            </a:r>
-            <a:r>
-              <a:rPr kumimoji="1" lang="en-US" altLang="ja-JP" i="1" dirty="0"/>
-              <a:t>Fin</a:t>
-            </a:r>
-            <a:r>
-              <a:rPr kumimoji="1" lang="en-US" altLang="ja-JP" dirty="0"/>
-              <a:t>.</a:t>
-            </a:r>
             <a:endParaRPr lang="en-US" altLang="ja-JP" dirty="0"/>
-          </a:p>
-          <a:p>
-            <a:pPr marL="0" indent="0">
-              <a:buNone/>
-            </a:pPr>
-            <a:r>
-              <a:rPr lang="en-US" altLang="ja-JP" b="1" dirty="0"/>
-              <a:t>(</a:t>
-            </a:r>
-            <a:r>
-              <a:rPr lang="ja-JP" altLang="en-US" b="1" dirty="0"/>
-              <a:t>素朴な</a:t>
-            </a:r>
-            <a:r>
-              <a:rPr lang="en-US" altLang="ja-JP" b="1" dirty="0"/>
-              <a:t>)</a:t>
-            </a:r>
-            <a:r>
-              <a:rPr lang="ja-JP" altLang="en-US" b="1" dirty="0"/>
-              <a:t>値の生存と、変数のスコープは別物</a:t>
-            </a:r>
-            <a:endParaRPr kumimoji="1" lang="en-US" altLang="ja-JP" b="1" dirty="0"/>
           </a:p>
         </p:txBody>
       </p:sp>
     </p:spTree>
     <p:extLst>
       <p:ext uri="{BB962C8B-B14F-4D97-AF65-F5344CB8AC3E}">
-        <p14:creationId xmlns:p14="http://schemas.microsoft.com/office/powerpoint/2010/main" val="2312879434"/>
+        <p14:creationId xmlns:p14="http://schemas.microsoft.com/office/powerpoint/2010/main" val="289282972"/>
       </p:ext>
     </p:extLst>
   </p:cSld>
@@ -4703,7 +4692,7 @@
           <p:cNvPr id="2" name="タイトル 1">
             <a:extLst>
               <a:ext uri="{FF2B5EF4-FFF2-40B4-BE49-F238E27FC236}">
-                <a16:creationId xmlns:a16="http://schemas.microsoft.com/office/drawing/2014/main" id="{2C26BB39-3D48-9B4D-88F9-3EA4D4F86916}"/>
+                <a16:creationId xmlns:a16="http://schemas.microsoft.com/office/drawing/2014/main" id="{57767B47-70F2-B5B4-442F-49E68158BDC0}"/>
               </a:ext>
             </a:extLst>
           </p:cNvPr>
@@ -4720,139 +4709,147 @@
           <a:lstStyle/>
           <a:p>
             <a:r>
+              <a:rPr lang="en-US" altLang="ja-JP" dirty="0"/>
+              <a:t>“</a:t>
+            </a:r>
+            <a:r>
+              <a:rPr lang="ja-JP" altLang="en-US" dirty="0"/>
+              <a:t>値</a:t>
+            </a:r>
+            <a:r>
+              <a:rPr lang="en-US" altLang="ja-JP" dirty="0"/>
+              <a:t>”</a:t>
+            </a:r>
+            <a:r>
+              <a:rPr lang="ja-JP" altLang="en-US" dirty="0"/>
+              <a:t>は単なる</a:t>
+            </a:r>
+            <a:r>
+              <a:rPr lang="en-US" altLang="ja-JP" dirty="0"/>
+              <a:t>01</a:t>
+            </a:r>
+            <a:r>
+              <a:rPr lang="ja-JP" altLang="en-US" dirty="0"/>
+              <a:t>ではない</a:t>
+            </a:r>
+            <a:endParaRPr kumimoji="1" lang="ja-JP" altLang="en-US" dirty="0"/>
+          </a:p>
+        </p:txBody>
+      </p:sp>
+      <p:sp>
+        <p:nvSpPr>
+          <p:cNvPr id="3" name="コンテンツ プレースホルダー 2">
+            <a:extLst>
+              <a:ext uri="{FF2B5EF4-FFF2-40B4-BE49-F238E27FC236}">
+                <a16:creationId xmlns:a16="http://schemas.microsoft.com/office/drawing/2014/main" id="{ABCC9D3C-7064-EBA4-7832-E802DF8FD605}"/>
+              </a:ext>
+            </a:extLst>
+          </p:cNvPr>
+          <p:cNvSpPr>
+            <a:spLocks noGrp="1"/>
+          </p:cNvSpPr>
+          <p:nvPr>
+            <p:ph idx="1"/>
+          </p:nvPr>
+        </p:nvSpPr>
+        <p:spPr/>
+        <p:txBody>
+          <a:bodyPr/>
+          <a:lstStyle/>
+          <a:p>
+            <a:r>
+              <a:rPr lang="ja-JP" altLang="en-US" dirty="0"/>
+              <a:t>不正な状態を取ってはならない</a:t>
+            </a:r>
+            <a:endParaRPr lang="en-US" altLang="ja-JP" dirty="0"/>
+          </a:p>
+          <a:p>
+            <a:pPr lvl="1"/>
+            <a:r>
               <a:rPr kumimoji="1" lang="ja-JP" altLang="en-US" dirty="0"/>
-              <a:t>どうしようか</a:t>
-            </a:r>
-          </a:p>
-        </p:txBody>
-      </p:sp>
-      <p:sp>
-        <p:nvSpPr>
-          <p:cNvPr id="3" name="コンテンツ プレースホルダー 2">
-            <a:extLst>
-              <a:ext uri="{FF2B5EF4-FFF2-40B4-BE49-F238E27FC236}">
-                <a16:creationId xmlns:a16="http://schemas.microsoft.com/office/drawing/2014/main" id="{4B21A7BD-A934-3C48-C976-5C6E5C529A54}"/>
-              </a:ext>
-            </a:extLst>
-          </p:cNvPr>
-          <p:cNvSpPr>
-            <a:spLocks noGrp="1"/>
-          </p:cNvSpPr>
-          <p:nvPr>
-            <p:ph idx="1"/>
-          </p:nvPr>
-        </p:nvSpPr>
-        <p:spPr/>
-        <p:txBody>
-          <a:bodyPr>
-            <a:normAutofit lnSpcReduction="10000"/>
-          </a:bodyPr>
-          <a:lstStyle/>
-          <a:p>
+              <a:t>未初期化だったりしない</a:t>
+            </a:r>
+            <a:endParaRPr kumimoji="1" lang="en-US" altLang="ja-JP" dirty="0"/>
+          </a:p>
+          <a:p>
+            <a:r>
+              <a:rPr kumimoji="1" lang="ja-JP" altLang="en-US" dirty="0"/>
+              <a:t>資源と結びついており、それらは解放されなくてはならない</a:t>
+            </a:r>
+            <a:endParaRPr kumimoji="1" lang="en-US" altLang="ja-JP" dirty="0"/>
+          </a:p>
+          <a:p>
+            <a:pPr marL="0" indent="0">
+              <a:buNone/>
+            </a:pPr>
+            <a:endParaRPr kumimoji="1" lang="en-US" altLang="ja-JP" dirty="0"/>
+          </a:p>
+          <a:p>
+            <a:pPr marL="0" indent="0">
+              <a:buNone/>
+            </a:pPr>
+            <a:r>
+              <a:rPr lang="ja-JP" altLang="en-US" dirty="0"/>
+              <a:t>解放までを含め、</a:t>
+            </a:r>
+            <a:r>
+              <a:rPr lang="en-US" altLang="ja-JP" dirty="0"/>
+              <a:t>RAII</a:t>
+            </a:r>
+            <a:r>
+              <a:rPr lang="ja-JP" altLang="en-US" dirty="0"/>
+              <a:t>と呼ぶ</a:t>
+            </a:r>
+            <a:endParaRPr lang="en-US" altLang="ja-JP" dirty="0"/>
+          </a:p>
+          <a:p>
+            <a:pPr marL="0" indent="0">
+              <a:buNone/>
+            </a:pPr>
+            <a:endParaRPr kumimoji="1" lang="en-US" altLang="ja-JP" dirty="0"/>
+          </a:p>
+          <a:p>
+            <a:pPr marL="0" indent="0">
+              <a:buNone/>
+            </a:pPr>
+            <a:r>
+              <a:rPr kumimoji="1" lang="ja-JP" altLang="en-US" dirty="0"/>
+              <a:t>このとき、資源を使えるか</a:t>
+            </a:r>
             <a:r>
               <a:rPr kumimoji="1" lang="en-US" altLang="ja-JP" dirty="0"/>
-              <a:t>Rust</a:t>
+              <a:t>/</a:t>
             </a:r>
             <a:r>
               <a:rPr kumimoji="1" lang="ja-JP" altLang="en-US" dirty="0"/>
-              <a:t>は値の生存を変数のスコープ以外も考慮して判断</a:t>
-            </a:r>
-            <a:endParaRPr lang="en-US" altLang="ja-JP" dirty="0"/>
-          </a:p>
-          <a:p>
-            <a:pPr>
-              <a:buFont typeface="Wingdings" panose="05000000000000000000" pitchFamily="2" charset="2"/>
-              <a:buChar char="è"/>
+              <a:t>解放して良いかは値に紐づいている</a:t>
+            </a:r>
+            <a:endParaRPr kumimoji="1" lang="en-US" altLang="ja-JP" dirty="0"/>
+          </a:p>
+          <a:p>
+            <a:pPr marL="0" indent="0">
+              <a:buNone/>
             </a:pPr>
             <a:r>
               <a:rPr lang="ja-JP" altLang="en-US" dirty="0"/>
-              <a:t>あるべき形に</a:t>
+              <a:t>この「資源を扱う権利」を「所有権</a:t>
             </a:r>
             <a:r>
               <a:rPr lang="en-US" altLang="ja-JP" dirty="0"/>
-              <a:t>(</a:t>
+              <a:t>(ownership)</a:t>
             </a:r>
             <a:r>
               <a:rPr lang="ja-JP" altLang="en-US" dirty="0"/>
-              <a:t>約束の地</a:t>
-            </a:r>
-            <a:r>
-              <a:rPr lang="en-US" altLang="ja-JP" dirty="0"/>
-              <a:t>)</a:t>
-            </a:r>
-          </a:p>
-          <a:p>
-            <a:pPr marL="0" indent="0">
-              <a:buNone/>
-            </a:pPr>
-            <a:endParaRPr lang="en-US" altLang="ja-JP" dirty="0"/>
-          </a:p>
-          <a:p>
-            <a:r>
-              <a:rPr lang="en-US" altLang="ja-JP" dirty="0"/>
-              <a:t>C++</a:t>
-            </a:r>
-            <a:r>
-              <a:rPr lang="ja-JP" altLang="en-US" dirty="0"/>
-              <a:t>「素朴な生存を上手く模倣してコード書いて、頑張ってね」</a:t>
-            </a:r>
-            <a:endParaRPr lang="en-US" altLang="ja-JP" dirty="0"/>
-          </a:p>
-          <a:p>
-            <a:pPr>
-              <a:buFont typeface="Wingdings" panose="05000000000000000000" pitchFamily="2" charset="2"/>
-              <a:buChar char="è"/>
-            </a:pPr>
-            <a:r>
-              <a:rPr lang="ja-JP" altLang="en-US" dirty="0"/>
-              <a:t>地獄の到来</a:t>
-            </a:r>
-            <a:endParaRPr lang="en-US" altLang="ja-JP" dirty="0"/>
-          </a:p>
-          <a:p>
-            <a:pPr>
-              <a:buFont typeface="Wingdings" panose="05000000000000000000" pitchFamily="2" charset="2"/>
-              <a:buChar char="è"/>
-            </a:pPr>
-            <a:endParaRPr lang="en-US" altLang="ja-JP" dirty="0"/>
-          </a:p>
-          <a:p>
-            <a:pPr marL="0" indent="0">
-              <a:buNone/>
-            </a:pPr>
-            <a:r>
-              <a:rPr lang="en-US" altLang="ja-JP" dirty="0"/>
-              <a:t>C++</a:t>
-            </a:r>
-            <a:r>
-              <a:rPr lang="ja-JP" altLang="en-US" dirty="0"/>
-              <a:t>は昔から、不都合があるとプログラマに頑張らせる</a:t>
-            </a:r>
-            <a:br>
-              <a:rPr lang="en-US" altLang="ja-JP" dirty="0"/>
-            </a:br>
-            <a:r>
-              <a:rPr lang="ja-JP" altLang="en-US" dirty="0"/>
-              <a:t>小悪魔タイプ</a:t>
-            </a:r>
-            <a:br>
-              <a:rPr lang="en-US" altLang="ja-JP" dirty="0"/>
-            </a:br>
-            <a:br>
-              <a:rPr lang="en-US" altLang="ja-JP" dirty="0"/>
-            </a:br>
-            <a:r>
-              <a:rPr lang="ja-JP" altLang="en-US" dirty="0"/>
-              <a:t>腹を括ろう</a:t>
-            </a:r>
-            <a:endParaRPr lang="en-US" altLang="ja-JP" dirty="0"/>
+              <a:t>」と言う</a:t>
+            </a:r>
+            <a:endParaRPr kumimoji="1" lang="ja-JP" altLang="en-US" dirty="0"/>
           </a:p>
         </p:txBody>
       </p:sp>
     </p:spTree>
     <p:extLst>
       <p:ext uri="{BB962C8B-B14F-4D97-AF65-F5344CB8AC3E}">
-        <p14:creationId xmlns:p14="http://schemas.microsoft.com/office/powerpoint/2010/main" val="2994609289"/>
+        <p14:creationId xmlns:p14="http://schemas.microsoft.com/office/powerpoint/2010/main" val="567863911"/>
       </p:ext>
     </p:extLst>
   </p:cSld>
@@ -4884,7 +4881,7 @@
           <p:cNvPr id="2" name="タイトル 1">
             <a:extLst>
               <a:ext uri="{FF2B5EF4-FFF2-40B4-BE49-F238E27FC236}">
-                <a16:creationId xmlns:a16="http://schemas.microsoft.com/office/drawing/2014/main" id="{552C55F3-2015-8F74-3797-468FB5FB945D}"/>
+                <a16:creationId xmlns:a16="http://schemas.microsoft.com/office/drawing/2014/main" id="{BECD024A-D8F4-94B3-C0FD-D06E7ABE889B}"/>
               </a:ext>
             </a:extLst>
           </p:cNvPr>
@@ -4897,105 +4894,65 @@
         </p:nvSpPr>
         <p:spPr/>
         <p:txBody>
-          <a:bodyPr/>
-          <a:lstStyle/>
-          <a:p>
-            <a:r>
-              <a:rPr kumimoji="1" lang="ja-JP" altLang="en-US" dirty="0"/>
-              <a:t>地獄巡りの前に</a:t>
-            </a:r>
-            <a:r>
-              <a:rPr kumimoji="1" lang="en-US" altLang="ja-JP" dirty="0"/>
-              <a:t>: </a:t>
-            </a:r>
-            <a:r>
-              <a:rPr kumimoji="1" lang="ja-JP" altLang="en-US" dirty="0"/>
-              <a:t>ちょっと借りたいだけ</a:t>
-            </a:r>
-          </a:p>
-        </p:txBody>
-      </p:sp>
-      <p:sp>
-        <p:nvSpPr>
-          <p:cNvPr id="3" name="コンテンツ プレースホルダー 2">
-            <a:extLst>
-              <a:ext uri="{FF2B5EF4-FFF2-40B4-BE49-F238E27FC236}">
-                <a16:creationId xmlns:a16="http://schemas.microsoft.com/office/drawing/2014/main" id="{8FC22272-8FC8-D7AF-1222-627E5E85E659}"/>
-              </a:ext>
-            </a:extLst>
-          </p:cNvPr>
-          <p:cNvSpPr>
-            <a:spLocks noGrp="1"/>
-          </p:cNvSpPr>
+          <a:bodyPr>
+            <a:normAutofit/>
+          </a:bodyPr>
+          <a:lstStyle/>
+          <a:p>
+            <a:r>
+              <a:rPr lang="ja-JP" altLang="en-US" sz="4000" dirty="0"/>
+              <a:t>値の生存と変数のスコープはホントに一緒</a:t>
+            </a:r>
+            <a:r>
+              <a:rPr lang="en-US" altLang="ja-JP" sz="4000" dirty="0"/>
+              <a:t>?</a:t>
+            </a:r>
+            <a:endParaRPr kumimoji="1" lang="ja-JP" altLang="en-US" sz="4000" dirty="0"/>
+          </a:p>
+        </p:txBody>
+      </p:sp>
+      <p:pic>
+        <p:nvPicPr>
+          <p:cNvPr id="6" name="コンテンツ プレースホルダー 5" descr="テキスト&#10;&#10;AI 生成コンテンツは誤りを含む可能性があります。">
+            <a:extLst>
+              <a:ext uri="{FF2B5EF4-FFF2-40B4-BE49-F238E27FC236}">
+                <a16:creationId xmlns:a16="http://schemas.microsoft.com/office/drawing/2014/main" id="{D27DC7C1-3880-878D-E1AA-728FF0DFEDC2}"/>
+              </a:ext>
+            </a:extLst>
+          </p:cNvPr>
+          <p:cNvPicPr>
+            <a:picLocks noGrp="1" noChangeAspect="1"/>
+          </p:cNvPicPr>
           <p:nvPr>
             <p:ph idx="1"/>
           </p:nvPr>
-        </p:nvSpPr>
-        <p:spPr/>
-        <p:txBody>
-          <a:bodyPr/>
-          <a:lstStyle/>
-          <a:p>
-            <a:pPr marL="0" indent="0">
-              <a:buNone/>
-            </a:pPr>
-            <a:r>
-              <a:rPr lang="en-US" altLang="ja-JP" dirty="0"/>
-              <a:t>(</a:t>
-            </a:r>
-            <a:r>
-              <a:rPr lang="ja-JP" altLang="en-US" dirty="0"/>
-              <a:t>解放処理が値の生存が終わる時点で走るとする</a:t>
-            </a:r>
-            <a:r>
-              <a:rPr lang="en-US" altLang="ja-JP" dirty="0"/>
-              <a:t>)</a:t>
-            </a:r>
-          </a:p>
-          <a:p>
-            <a:pPr marL="0" indent="0">
-              <a:buNone/>
-            </a:pPr>
-            <a:endParaRPr kumimoji="1" lang="en-US" altLang="ja-JP" dirty="0"/>
-          </a:p>
-          <a:p>
-            <a:pPr marL="0" indent="0">
-              <a:buNone/>
-            </a:pPr>
-            <a:r>
-              <a:rPr kumimoji="1" lang="ja-JP" altLang="en-US" dirty="0"/>
-              <a:t>値を一時的に使いたい場合どうする？</a:t>
-            </a:r>
-            <a:endParaRPr kumimoji="1" lang="en-US" altLang="ja-JP" dirty="0"/>
-          </a:p>
-          <a:p>
-            <a:pPr marL="0" indent="0">
-              <a:buNone/>
-            </a:pPr>
-            <a:r>
-              <a:rPr lang="en-US" altLang="ja-JP" dirty="0"/>
-              <a:t>TODO: </a:t>
-            </a:r>
-            <a:r>
-              <a:rPr lang="ja-JP" altLang="en-US" dirty="0"/>
-              <a:t>適当な型のデバッグプリント、</a:t>
-            </a:r>
-            <a:r>
-              <a:rPr lang="en-US" altLang="ja-JP" dirty="0"/>
-              <a:t>Vec2</a:t>
-            </a:r>
-            <a:r>
-              <a:rPr lang="ja-JP" altLang="en-US" dirty="0"/>
-              <a:t>の足し算とかのコード例をスクショ</a:t>
-            </a:r>
-            <a:endParaRPr kumimoji="1" lang="en-US" altLang="ja-JP" dirty="0"/>
-          </a:p>
-        </p:txBody>
-      </p:sp>
+        </p:nvPicPr>
+        <p:blipFill>
+          <a:blip r:embed="rId2">
+            <a:extLst>
+              <a:ext uri="{28A0092B-C50C-407E-A947-70E740481C1C}">
+                <a14:useLocalDpi xmlns:a14="http://schemas.microsoft.com/office/drawing/2010/main" val="0"/>
+              </a:ext>
+            </a:extLst>
+          </a:blip>
+          <a:stretch>
+            <a:fillRect/>
+          </a:stretch>
+        </p:blipFill>
+        <p:spPr>
+          <a:xfrm>
+            <a:off x="3104732" y="2019817"/>
+            <a:ext cx="5982535" cy="3962953"/>
+          </a:xfrm>
+          <a:prstGeom prst="rect">
+            <a:avLst/>
+          </a:prstGeom>
+        </p:spPr>
+      </p:pic>
     </p:spTree>
     <p:extLst>
       <p:ext uri="{BB962C8B-B14F-4D97-AF65-F5344CB8AC3E}">
-        <p14:creationId xmlns:p14="http://schemas.microsoft.com/office/powerpoint/2010/main" val="3195978120"/>
+        <p14:creationId xmlns:p14="http://schemas.microsoft.com/office/powerpoint/2010/main" val="2312879434"/>
       </p:ext>
     </p:extLst>
   </p:cSld>
@@ -5013,7 +4970,7 @@
         <p:cNvPr id="1" name="">
           <a:extLst>
             <a:ext uri="{FF2B5EF4-FFF2-40B4-BE49-F238E27FC236}">
-              <a16:creationId xmlns:a16="http://schemas.microsoft.com/office/drawing/2014/main" id="{4F7C7AFC-AB9B-3E54-5AC7-928C98026941}"/>
+              <a16:creationId xmlns:a16="http://schemas.microsoft.com/office/drawing/2014/main" id="{7B1D1923-6C0D-4B65-7BEA-C2A63D60235C}"/>
             </a:ext>
           </a:extLst>
         </p:cNvPr>
@@ -5033,7 +4990,7 @@
           <p:cNvPr id="2" name="タイトル 1">
             <a:extLst>
               <a:ext uri="{FF2B5EF4-FFF2-40B4-BE49-F238E27FC236}">
-                <a16:creationId xmlns:a16="http://schemas.microsoft.com/office/drawing/2014/main" id="{6418ABDC-19E6-DF27-6D91-BD6A022A43A7}"/>
+                <a16:creationId xmlns:a16="http://schemas.microsoft.com/office/drawing/2014/main" id="{81117568-94EB-3CA5-7295-90A72DE45B6F}"/>
               </a:ext>
             </a:extLst>
           </p:cNvPr>
@@ -5046,117 +5003,62 @@
         </p:nvSpPr>
         <p:spPr/>
         <p:txBody>
-          <a:bodyPr/>
-          <a:lstStyle/>
-          <a:p>
-            <a:r>
-              <a:rPr kumimoji="1" lang="ja-JP" altLang="en-US" dirty="0"/>
-              <a:t>地獄巡りの前に</a:t>
-            </a:r>
-            <a:r>
-              <a:rPr kumimoji="1" lang="en-US" altLang="ja-JP" dirty="0"/>
-              <a:t>: </a:t>
-            </a:r>
-            <a:r>
-              <a:rPr kumimoji="1" lang="ja-JP" altLang="en-US" dirty="0"/>
-              <a:t>ちょっと借りたいだけ</a:t>
-            </a:r>
-          </a:p>
-        </p:txBody>
-      </p:sp>
-      <p:sp>
-        <p:nvSpPr>
-          <p:cNvPr id="3" name="コンテンツ プレースホルダー 2">
-            <a:extLst>
-              <a:ext uri="{FF2B5EF4-FFF2-40B4-BE49-F238E27FC236}">
-                <a16:creationId xmlns:a16="http://schemas.microsoft.com/office/drawing/2014/main" id="{97808E90-AB53-8EB8-66B5-C1944E27101D}"/>
-              </a:ext>
-            </a:extLst>
-          </p:cNvPr>
-          <p:cNvSpPr>
-            <a:spLocks noGrp="1"/>
-          </p:cNvSpPr>
+          <a:bodyPr>
+            <a:normAutofit/>
+          </a:bodyPr>
+          <a:lstStyle/>
+          <a:p>
+            <a:r>
+              <a:rPr lang="ja-JP" altLang="en-US" sz="4000" dirty="0"/>
+              <a:t>値の生存と変数のスコープはホントに一緒</a:t>
+            </a:r>
+            <a:r>
+              <a:rPr lang="en-US" altLang="ja-JP" sz="4000" dirty="0"/>
+              <a:t>?</a:t>
+            </a:r>
+            <a:endParaRPr kumimoji="1" lang="ja-JP" altLang="en-US" sz="4000" dirty="0"/>
+          </a:p>
+        </p:txBody>
+      </p:sp>
+      <p:pic>
+        <p:nvPicPr>
+          <p:cNvPr id="5" name="コンテンツ プレースホルダー 4" descr="テキスト&#10;&#10;AI 生成コンテンツは誤りを含む可能性があります。">
+            <a:extLst>
+              <a:ext uri="{FF2B5EF4-FFF2-40B4-BE49-F238E27FC236}">
+                <a16:creationId xmlns:a16="http://schemas.microsoft.com/office/drawing/2014/main" id="{7046771D-6268-278C-167F-1F65F3A1C53F}"/>
+              </a:ext>
+            </a:extLst>
+          </p:cNvPr>
+          <p:cNvPicPr>
+            <a:picLocks noGrp="1" noChangeAspect="1"/>
+          </p:cNvPicPr>
           <p:nvPr>
             <p:ph idx="1"/>
           </p:nvPr>
-        </p:nvSpPr>
-        <p:spPr/>
-        <p:txBody>
-          <a:bodyPr/>
-          <a:lstStyle/>
-          <a:p>
-            <a:pPr marL="0" indent="0">
-              <a:buNone/>
-            </a:pPr>
-            <a:r>
-              <a:rPr kumimoji="1" lang="ja-JP" altLang="en-US" dirty="0"/>
-              <a:t>解決策</a:t>
-            </a:r>
-            <a:r>
-              <a:rPr kumimoji="1" lang="en-US" altLang="ja-JP" dirty="0"/>
-              <a:t>: </a:t>
-            </a:r>
-            <a:r>
-              <a:rPr kumimoji="1" lang="ja-JP" altLang="en-US" dirty="0"/>
-              <a:t>引数で値をもらい、返り値で返却</a:t>
-            </a:r>
-            <a:endParaRPr kumimoji="1" lang="en-US" altLang="ja-JP" dirty="0"/>
-          </a:p>
-          <a:p>
-            <a:pPr marL="0" indent="0">
-              <a:buNone/>
-            </a:pPr>
-            <a:r>
-              <a:rPr kumimoji="1" lang="en-US" altLang="ja-JP" dirty="0"/>
-              <a:t>TODO: </a:t>
-            </a:r>
-            <a:r>
-              <a:rPr kumimoji="1" lang="ja-JP" altLang="en-US" dirty="0"/>
-              <a:t>コードのスクショ</a:t>
-            </a:r>
-            <a:endParaRPr kumimoji="1" lang="en-US" altLang="ja-JP" dirty="0"/>
-          </a:p>
-          <a:p>
-            <a:pPr marL="0" indent="0">
-              <a:buNone/>
-            </a:pPr>
-            <a:endParaRPr lang="en-US" altLang="ja-JP" dirty="0"/>
-          </a:p>
-          <a:p>
-            <a:pPr marL="0" indent="0">
-              <a:buNone/>
-            </a:pPr>
-            <a:endParaRPr kumimoji="1" lang="en-US" altLang="ja-JP" dirty="0"/>
-          </a:p>
-          <a:p>
-            <a:pPr marL="0" indent="0">
-              <a:buNone/>
-            </a:pPr>
-            <a:endParaRPr lang="en-US" altLang="ja-JP" dirty="0"/>
-          </a:p>
-          <a:p>
-            <a:pPr marL="0" indent="0">
-              <a:buNone/>
-            </a:pPr>
-            <a:endParaRPr kumimoji="1" lang="en-US" altLang="ja-JP" dirty="0"/>
-          </a:p>
-          <a:p>
-            <a:pPr>
-              <a:buFont typeface="Wingdings" panose="05000000000000000000" pitchFamily="2" charset="2"/>
-              <a:buChar char="è"/>
-            </a:pPr>
-            <a:r>
-              <a:rPr lang="ja-JP" altLang="en-US" dirty="0"/>
-              <a:t> ダルい</a:t>
-            </a:r>
-            <a:endParaRPr lang="en-US" altLang="ja-JP" dirty="0"/>
-          </a:p>
-        </p:txBody>
-      </p:sp>
+        </p:nvPicPr>
+        <p:blipFill>
+          <a:blip r:embed="rId2">
+            <a:extLst>
+              <a:ext uri="{28A0092B-C50C-407E-A947-70E740481C1C}">
+                <a14:useLocalDpi xmlns:a14="http://schemas.microsoft.com/office/drawing/2010/main" val="0"/>
+              </a:ext>
+            </a:extLst>
+          </a:blip>
+          <a:stretch>
+            <a:fillRect/>
+          </a:stretch>
+        </p:blipFill>
+        <p:spPr>
+          <a:xfrm>
+            <a:off x="3442917" y="1919791"/>
+            <a:ext cx="5306165" cy="4163006"/>
+          </a:xfrm>
+        </p:spPr>
+      </p:pic>
     </p:spTree>
     <p:extLst>
       <p:ext uri="{BB962C8B-B14F-4D97-AF65-F5344CB8AC3E}">
-        <p14:creationId xmlns:p14="http://schemas.microsoft.com/office/powerpoint/2010/main" val="3443817819"/>
+        <p14:creationId xmlns:p14="http://schemas.microsoft.com/office/powerpoint/2010/main" val="4241275369"/>
       </p:ext>
     </p:extLst>
   </p:cSld>
@@ -5174,7 +5076,7 @@
         <p:cNvPr id="1" name="">
           <a:extLst>
             <a:ext uri="{FF2B5EF4-FFF2-40B4-BE49-F238E27FC236}">
-              <a16:creationId xmlns:a16="http://schemas.microsoft.com/office/drawing/2014/main" id="{39017097-E024-2C51-60BA-A063671F23FF}"/>
+              <a16:creationId xmlns:a16="http://schemas.microsoft.com/office/drawing/2014/main" id="{E9355225-5011-8072-40F3-49D2E22B4C4E}"/>
             </a:ext>
           </a:extLst>
         </p:cNvPr>
@@ -5194,7 +5096,7 @@
           <p:cNvPr id="2" name="タイトル 1">
             <a:extLst>
               <a:ext uri="{FF2B5EF4-FFF2-40B4-BE49-F238E27FC236}">
-                <a16:creationId xmlns:a16="http://schemas.microsoft.com/office/drawing/2014/main" id="{85A331C6-3CCD-EFFB-7928-2F1B1CA200AB}"/>
+                <a16:creationId xmlns:a16="http://schemas.microsoft.com/office/drawing/2014/main" id="{2D1B3FF4-B3FF-B95A-E25C-FD4E1969663C}"/>
               </a:ext>
             </a:extLst>
           </p:cNvPr>
@@ -5207,13 +5109,20 @@
         </p:nvSpPr>
         <p:spPr/>
         <p:txBody>
-          <a:bodyPr/>
-          <a:lstStyle/>
-          <a:p>
-            <a:r>
-              <a:rPr kumimoji="1" lang="ja-JP" altLang="en-US" dirty="0"/>
-              <a:t>借用</a:t>
-            </a:r>
+          <a:bodyPr>
+            <a:normAutofit/>
+          </a:bodyPr>
+          <a:lstStyle/>
+          <a:p>
+            <a:r>
+              <a:rPr lang="ja-JP" altLang="en-US" sz="4000" dirty="0"/>
+              <a:t>値の生存と変数のスコープはホントに一緒</a:t>
+            </a:r>
+            <a:r>
+              <a:rPr lang="en-US" altLang="ja-JP" sz="4000" dirty="0"/>
+              <a:t>?</a:t>
+            </a:r>
+            <a:endParaRPr kumimoji="1" lang="ja-JP" altLang="en-US" sz="4000" dirty="0"/>
           </a:p>
         </p:txBody>
       </p:sp>
@@ -5222,7 +5131,7 @@
           <p:cNvPr id="3" name="コンテンツ プレースホルダー 2">
             <a:extLst>
               <a:ext uri="{FF2B5EF4-FFF2-40B4-BE49-F238E27FC236}">
-                <a16:creationId xmlns:a16="http://schemas.microsoft.com/office/drawing/2014/main" id="{E36868A8-C236-111C-50E0-55C2C7899A28}"/>
+                <a16:creationId xmlns:a16="http://schemas.microsoft.com/office/drawing/2014/main" id="{16763FB0-5E7F-EE4E-EC46-4FE2CEFCEE31}"/>
               </a:ext>
             </a:extLst>
           </p:cNvPr>
@@ -5242,89 +5151,78 @@
               <a:buNone/>
             </a:pPr>
             <a:r>
+              <a:rPr lang="en-US" altLang="ja-JP" dirty="0"/>
+              <a:t>1, 2</a:t>
+            </a:r>
+            <a:r>
               <a:rPr lang="ja-JP" altLang="en-US" dirty="0"/>
-              <a:t>略記できるといいね</a:t>
-            </a:r>
-            <a:endParaRPr lang="en-US" altLang="ja-JP" dirty="0"/>
-          </a:p>
-          <a:p>
-            <a:pPr marL="0" indent="0">
-              <a:buNone/>
-            </a:pPr>
-            <a:r>
-              <a:rPr lang="en-US" altLang="ja-JP" dirty="0"/>
-              <a:t>TODO: </a:t>
-            </a:r>
-            <a:r>
-              <a:rPr lang="ja-JP" altLang="en-US" dirty="0"/>
-              <a:t>参照を使ったコード</a:t>
+              <a:t>では二重に解放されてしまい、</a:t>
             </a:r>
             <a:br>
               <a:rPr lang="en-US" altLang="ja-JP" dirty="0"/>
             </a:br>
             <a:r>
               <a:rPr lang="en-US" altLang="ja-JP" dirty="0"/>
-              <a:t>print</a:t>
+              <a:t>3</a:t>
             </a:r>
             <a:r>
               <a:rPr lang="ja-JP" altLang="en-US" dirty="0"/>
-              <a:t>とか</a:t>
-            </a:r>
-            <a:r>
-              <a:rPr lang="en-US" altLang="ja-JP" dirty="0"/>
-              <a:t>clone</a:t>
-            </a:r>
-            <a:r>
-              <a:rPr lang="ja-JP" altLang="en-US" dirty="0"/>
-              <a:t>とか</a:t>
-            </a:r>
-            <a:r>
-              <a:rPr lang="en-US" altLang="ja-JP" dirty="0"/>
+              <a:t>では先に入ってた値が解放されない</a:t>
+            </a:r>
+            <a:endParaRPr lang="en-US" altLang="ja-JP" dirty="0"/>
+          </a:p>
+          <a:p>
+            <a:pPr marL="0" indent="0">
+              <a:buNone/>
+            </a:pPr>
+            <a:endParaRPr lang="en-US" altLang="ja-JP" dirty="0"/>
+          </a:p>
+          <a:p>
+            <a:pPr marL="0" indent="0">
+              <a:buNone/>
+            </a:pPr>
+            <a:r>
+              <a:rPr kumimoji="1" lang="ja-JP" altLang="en-US" dirty="0"/>
+              <a:t>ダメでした─── </a:t>
+            </a:r>
+            <a:r>
+              <a:rPr kumimoji="1" lang="en-US" altLang="ja-JP" i="1" dirty="0"/>
+              <a:t>Fin</a:t>
+            </a:r>
+            <a:r>
+              <a:rPr kumimoji="1" lang="en-US" altLang="ja-JP" dirty="0"/>
+              <a:t>.</a:t>
+            </a:r>
+            <a:endParaRPr lang="en-US" altLang="ja-JP" dirty="0"/>
+          </a:p>
+          <a:p>
+            <a:pPr marL="0" indent="0">
+              <a:buNone/>
+            </a:pPr>
+            <a:r>
+              <a:rPr lang="en-US" altLang="ja-JP" b="1" dirty="0"/>
               <a:t>(</a:t>
             </a:r>
             <a:r>
-              <a:rPr lang="ja-JP" altLang="en-US" dirty="0"/>
-              <a:t>特に</a:t>
-            </a:r>
-            <a:r>
-              <a:rPr lang="en-US" altLang="ja-JP" dirty="0"/>
-              <a:t>clone</a:t>
-            </a:r>
-            <a:r>
-              <a:rPr lang="ja-JP" altLang="en-US" dirty="0"/>
-              <a:t>は後の説明で必要になる</a:t>
-            </a:r>
-            <a:r>
-              <a:rPr lang="en-US" altLang="ja-JP" dirty="0"/>
+              <a:rPr lang="ja-JP" altLang="en-US" b="1" dirty="0"/>
+              <a:t>素朴な</a:t>
+            </a:r>
+            <a:r>
+              <a:rPr lang="en-US" altLang="ja-JP" b="1" dirty="0"/>
               <a:t>)</a:t>
             </a:r>
-          </a:p>
-          <a:p>
-            <a:pPr marL="0" indent="0">
-              <a:buNone/>
-            </a:pPr>
-            <a:endParaRPr lang="en-US" altLang="ja-JP" dirty="0"/>
-          </a:p>
-          <a:p>
-            <a:pPr marL="0" indent="0">
-              <a:buNone/>
-            </a:pPr>
             <a:r>
               <a:rPr lang="ja-JP" altLang="en-US" b="1" dirty="0"/>
-              <a:t>借用</a:t>
-            </a:r>
-            <a:r>
-              <a:rPr lang="ja-JP" altLang="en-US" dirty="0"/>
-              <a:t>と呼ばれる</a:t>
-            </a:r>
-            <a:endParaRPr lang="en-US" altLang="ja-JP" dirty="0"/>
+              <a:t>値の生存と、変数の寿命は別物</a:t>
+            </a:r>
+            <a:endParaRPr kumimoji="1" lang="en-US" altLang="ja-JP" b="1" dirty="0"/>
           </a:p>
         </p:txBody>
       </p:sp>
     </p:spTree>
     <p:extLst>
       <p:ext uri="{BB962C8B-B14F-4D97-AF65-F5344CB8AC3E}">
-        <p14:creationId xmlns:p14="http://schemas.microsoft.com/office/powerpoint/2010/main" val="2662763739"/>
+        <p14:creationId xmlns:p14="http://schemas.microsoft.com/office/powerpoint/2010/main" val="1533715547"/>
       </p:ext>
     </p:extLst>
   </p:cSld>
@@ -5403,17 +5301,46 @@
             <a:pPr marL="0" indent="0">
               <a:buNone/>
             </a:pPr>
-            <a:r>
-              <a:rPr kumimoji="1" lang="en-US" altLang="ja-JP" dirty="0"/>
-              <a:t>TODO: </a:t>
-            </a:r>
-            <a:r>
-              <a:rPr kumimoji="1" lang="ja-JP" altLang="en-US" dirty="0"/>
-              <a:t>立ち向かうべき困難なコードのスクショ</a:t>
-            </a:r>
-          </a:p>
-        </p:txBody>
-      </p:sp>
+            <a:endParaRPr kumimoji="1" lang="ja-JP" altLang="en-US" dirty="0"/>
+          </a:p>
+        </p:txBody>
+      </p:sp>
+      <p:pic>
+        <p:nvPicPr>
+          <p:cNvPr id="5" name="図 4" descr="テキスト&#10;&#10;AI 生成コンテンツは誤りを含む可能性があります。">
+            <a:extLst>
+              <a:ext uri="{FF2B5EF4-FFF2-40B4-BE49-F238E27FC236}">
+                <a16:creationId xmlns:a16="http://schemas.microsoft.com/office/drawing/2014/main" id="{31307A7C-DBE0-205A-BF65-98B19CBB18EC}"/>
+              </a:ext>
+            </a:extLst>
+          </p:cNvPr>
+          <p:cNvPicPr>
+            <a:picLocks noChangeAspect="1"/>
+          </p:cNvPicPr>
+          <p:nvPr/>
+        </p:nvPicPr>
+        <p:blipFill>
+          <a:blip r:embed="rId2">
+            <a:extLst>
+              <a:ext uri="{28A0092B-C50C-407E-A947-70E740481C1C}">
+                <a14:useLocalDpi xmlns:a14="http://schemas.microsoft.com/office/drawing/2010/main" val="0"/>
+              </a:ext>
+            </a:extLst>
+          </a:blip>
+          <a:stretch>
+            <a:fillRect/>
+          </a:stretch>
+        </p:blipFill>
+        <p:spPr>
+          <a:xfrm>
+            <a:off x="838200" y="1690688"/>
+            <a:ext cx="9207868" cy="4018438"/>
+          </a:xfrm>
+          <a:prstGeom prst="rect">
+            <a:avLst/>
+          </a:prstGeom>
+        </p:spPr>
+      </p:pic>
     </p:spTree>
     <p:extLst>
       <p:ext uri="{BB962C8B-B14F-4D97-AF65-F5344CB8AC3E}">
@@ -5449,6 +5376,758 @@
           <p:cNvPr id="2" name="タイトル 1">
             <a:extLst>
               <a:ext uri="{FF2B5EF4-FFF2-40B4-BE49-F238E27FC236}">
+                <a16:creationId xmlns:a16="http://schemas.microsoft.com/office/drawing/2014/main" id="{2C26BB39-3D48-9B4D-88F9-3EA4D4F86916}"/>
+              </a:ext>
+            </a:extLst>
+          </p:cNvPr>
+          <p:cNvSpPr>
+            <a:spLocks noGrp="1"/>
+          </p:cNvSpPr>
+          <p:nvPr>
+            <p:ph type="title"/>
+          </p:nvPr>
+        </p:nvSpPr>
+        <p:spPr/>
+        <p:txBody>
+          <a:bodyPr/>
+          <a:lstStyle/>
+          <a:p>
+            <a:r>
+              <a:rPr kumimoji="1" lang="ja-JP" altLang="en-US" dirty="0"/>
+              <a:t>どうしようか</a:t>
+            </a:r>
+          </a:p>
+        </p:txBody>
+      </p:sp>
+      <p:sp>
+        <p:nvSpPr>
+          <p:cNvPr id="3" name="コンテンツ プレースホルダー 2">
+            <a:extLst>
+              <a:ext uri="{FF2B5EF4-FFF2-40B4-BE49-F238E27FC236}">
+                <a16:creationId xmlns:a16="http://schemas.microsoft.com/office/drawing/2014/main" id="{4B21A7BD-A934-3C48-C976-5C6E5C529A54}"/>
+              </a:ext>
+            </a:extLst>
+          </p:cNvPr>
+          <p:cNvSpPr>
+            <a:spLocks noGrp="1"/>
+          </p:cNvSpPr>
+          <p:nvPr>
+            <p:ph idx="1"/>
+          </p:nvPr>
+        </p:nvSpPr>
+        <p:spPr/>
+        <p:txBody>
+          <a:bodyPr>
+            <a:normAutofit lnSpcReduction="10000"/>
+          </a:bodyPr>
+          <a:lstStyle/>
+          <a:p>
+            <a:r>
+              <a:rPr kumimoji="1" lang="en-US" altLang="ja-JP" dirty="0"/>
+              <a:t>Rust</a:t>
+            </a:r>
+            <a:r>
+              <a:rPr kumimoji="1" lang="ja-JP" altLang="en-US" dirty="0"/>
+              <a:t>は値の生存を変数の</a:t>
+            </a:r>
+            <a:r>
+              <a:rPr lang="ja-JP" altLang="en-US" dirty="0"/>
+              <a:t>寿命</a:t>
+            </a:r>
+            <a:r>
+              <a:rPr kumimoji="1" lang="ja-JP" altLang="en-US" dirty="0"/>
+              <a:t>以外も考慮して判断</a:t>
+            </a:r>
+            <a:endParaRPr lang="en-US" altLang="ja-JP" dirty="0"/>
+          </a:p>
+          <a:p>
+            <a:pPr>
+              <a:buFont typeface="Wingdings" panose="05000000000000000000" pitchFamily="2" charset="2"/>
+              <a:buChar char="è"/>
+            </a:pPr>
+            <a:r>
+              <a:rPr lang="ja-JP" altLang="en-US" dirty="0"/>
+              <a:t>あるべき形に</a:t>
+            </a:r>
+            <a:r>
+              <a:rPr lang="en-US" altLang="ja-JP" dirty="0"/>
+              <a:t>(</a:t>
+            </a:r>
+            <a:r>
+              <a:rPr lang="ja-JP" altLang="en-US" dirty="0"/>
+              <a:t>約束の地</a:t>
+            </a:r>
+            <a:r>
+              <a:rPr lang="en-US" altLang="ja-JP" dirty="0"/>
+              <a:t>)</a:t>
+            </a:r>
+          </a:p>
+          <a:p>
+            <a:pPr marL="0" indent="0">
+              <a:buNone/>
+            </a:pPr>
+            <a:endParaRPr lang="en-US" altLang="ja-JP" dirty="0"/>
+          </a:p>
+          <a:p>
+            <a:r>
+              <a:rPr lang="en-US" altLang="ja-JP" dirty="0"/>
+              <a:t>C++</a:t>
+            </a:r>
+            <a:r>
+              <a:rPr lang="ja-JP" altLang="en-US" dirty="0"/>
+              <a:t>「素朴な生存を上手く模倣してコード書いて、頑張ってね」</a:t>
+            </a:r>
+            <a:endParaRPr lang="en-US" altLang="ja-JP" dirty="0"/>
+          </a:p>
+          <a:p>
+            <a:pPr>
+              <a:buFont typeface="Wingdings" panose="05000000000000000000" pitchFamily="2" charset="2"/>
+              <a:buChar char="è"/>
+            </a:pPr>
+            <a:r>
+              <a:rPr lang="ja-JP" altLang="en-US" dirty="0"/>
+              <a:t>地獄の到来</a:t>
+            </a:r>
+            <a:endParaRPr lang="en-US" altLang="ja-JP" dirty="0"/>
+          </a:p>
+          <a:p>
+            <a:pPr>
+              <a:buFont typeface="Wingdings" panose="05000000000000000000" pitchFamily="2" charset="2"/>
+              <a:buChar char="è"/>
+            </a:pPr>
+            <a:endParaRPr lang="en-US" altLang="ja-JP" dirty="0"/>
+          </a:p>
+          <a:p>
+            <a:pPr marL="0" indent="0">
+              <a:buNone/>
+            </a:pPr>
+            <a:r>
+              <a:rPr lang="en-US" altLang="ja-JP" dirty="0"/>
+              <a:t>C++</a:t>
+            </a:r>
+            <a:r>
+              <a:rPr lang="ja-JP" altLang="en-US" dirty="0"/>
+              <a:t>は昔から、不都合があるとプログラマに頑張らせる</a:t>
+            </a:r>
+            <a:br>
+              <a:rPr lang="en-US" altLang="ja-JP" dirty="0"/>
+            </a:br>
+            <a:r>
+              <a:rPr lang="ja-JP" altLang="en-US" dirty="0"/>
+              <a:t>小悪魔タイプ</a:t>
+            </a:r>
+            <a:br>
+              <a:rPr lang="en-US" altLang="ja-JP" dirty="0"/>
+            </a:br>
+            <a:br>
+              <a:rPr lang="en-US" altLang="ja-JP" dirty="0"/>
+            </a:br>
+            <a:r>
+              <a:rPr lang="ja-JP" altLang="en-US" dirty="0"/>
+              <a:t>腹を括ろう</a:t>
+            </a:r>
+            <a:endParaRPr lang="en-US" altLang="ja-JP" dirty="0"/>
+          </a:p>
+        </p:txBody>
+      </p:sp>
+    </p:spTree>
+    <p:extLst>
+      <p:ext uri="{BB962C8B-B14F-4D97-AF65-F5344CB8AC3E}">
+        <p14:creationId xmlns:p14="http://schemas.microsoft.com/office/powerpoint/2010/main" val="2994609289"/>
+      </p:ext>
+    </p:extLst>
+  </p:cSld>
+  <p:clrMapOvr>
+    <a:masterClrMapping/>
+  </p:clrMapOvr>
+</p:sld>
+</file>
+
+<file path=ppt/slides/slide21.xml><?xml version="1.0" encoding="utf-8"?>
+<p:sld xmlns:a="http://schemas.openxmlformats.org/drawingml/2006/main" xmlns:r="http://schemas.openxmlformats.org/officeDocument/2006/relationships" xmlns:p="http://schemas.openxmlformats.org/presentationml/2006/main">
+  <p:cSld>
+    <p:spTree>
+      <p:nvGrpSpPr>
+        <p:cNvPr id="1" name=""/>
+        <p:cNvGrpSpPr/>
+        <p:nvPr/>
+      </p:nvGrpSpPr>
+      <p:grpSpPr>
+        <a:xfrm>
+          <a:off x="0" y="0"/>
+          <a:ext cx="0" cy="0"/>
+          <a:chOff x="0" y="0"/>
+          <a:chExt cx="0" cy="0"/>
+        </a:xfrm>
+      </p:grpSpPr>
+      <p:sp>
+        <p:nvSpPr>
+          <p:cNvPr id="2" name="タイトル 1">
+            <a:extLst>
+              <a:ext uri="{FF2B5EF4-FFF2-40B4-BE49-F238E27FC236}">
+                <a16:creationId xmlns:a16="http://schemas.microsoft.com/office/drawing/2014/main" id="{552C55F3-2015-8F74-3797-468FB5FB945D}"/>
+              </a:ext>
+            </a:extLst>
+          </p:cNvPr>
+          <p:cNvSpPr>
+            <a:spLocks noGrp="1"/>
+          </p:cNvSpPr>
+          <p:nvPr>
+            <p:ph type="title"/>
+          </p:nvPr>
+        </p:nvSpPr>
+        <p:spPr/>
+        <p:txBody>
+          <a:bodyPr/>
+          <a:lstStyle/>
+          <a:p>
+            <a:r>
+              <a:rPr kumimoji="1" lang="ja-JP" altLang="en-US" dirty="0"/>
+              <a:t>地獄巡りの前に</a:t>
+            </a:r>
+            <a:r>
+              <a:rPr kumimoji="1" lang="en-US" altLang="ja-JP" dirty="0"/>
+              <a:t>: </a:t>
+            </a:r>
+            <a:r>
+              <a:rPr kumimoji="1" lang="ja-JP" altLang="en-US" dirty="0"/>
+              <a:t>ちょっと借りたいだけ</a:t>
+            </a:r>
+          </a:p>
+        </p:txBody>
+      </p:sp>
+      <p:sp>
+        <p:nvSpPr>
+          <p:cNvPr id="3" name="コンテンツ プレースホルダー 2">
+            <a:extLst>
+              <a:ext uri="{FF2B5EF4-FFF2-40B4-BE49-F238E27FC236}">
+                <a16:creationId xmlns:a16="http://schemas.microsoft.com/office/drawing/2014/main" id="{8FC22272-8FC8-D7AF-1222-627E5E85E659}"/>
+              </a:ext>
+            </a:extLst>
+          </p:cNvPr>
+          <p:cNvSpPr>
+            <a:spLocks noGrp="1"/>
+          </p:cNvSpPr>
+          <p:nvPr>
+            <p:ph idx="1"/>
+          </p:nvPr>
+        </p:nvSpPr>
+        <p:spPr/>
+        <p:txBody>
+          <a:bodyPr>
+            <a:normAutofit/>
+          </a:bodyPr>
+          <a:lstStyle/>
+          <a:p>
+            <a:pPr marL="0" indent="0">
+              <a:buNone/>
+            </a:pPr>
+            <a:r>
+              <a:rPr lang="ja-JP" altLang="en-US" dirty="0"/>
+              <a:t>解放処理が値のちゃんと生存が終わる時点で</a:t>
+            </a:r>
+            <a:br>
+              <a:rPr lang="en-US" altLang="ja-JP" dirty="0"/>
+            </a:br>
+            <a:r>
+              <a:rPr lang="ja-JP" altLang="en-US" dirty="0"/>
+              <a:t>走るような言語を考える</a:t>
+            </a:r>
+            <a:endParaRPr lang="en-US" altLang="ja-JP" dirty="0"/>
+          </a:p>
+          <a:p>
+            <a:pPr marL="0" indent="0">
+              <a:buNone/>
+            </a:pPr>
+            <a:endParaRPr lang="en-US" altLang="ja-JP" dirty="0"/>
+          </a:p>
+          <a:p>
+            <a:pPr marL="0" indent="0">
+              <a:buNone/>
+            </a:pPr>
+            <a:endParaRPr lang="en-US" altLang="ja-JP" dirty="0"/>
+          </a:p>
+          <a:p>
+            <a:pPr marL="0" indent="0">
+              <a:buNone/>
+            </a:pPr>
+            <a:endParaRPr lang="en-US" altLang="ja-JP" dirty="0"/>
+          </a:p>
+          <a:p>
+            <a:pPr marL="0" indent="0">
+              <a:buNone/>
+            </a:pPr>
+            <a:endParaRPr kumimoji="1" lang="en-US" altLang="ja-JP" dirty="0"/>
+          </a:p>
+          <a:p>
+            <a:pPr marL="0" indent="0">
+              <a:buNone/>
+            </a:pPr>
+            <a:r>
+              <a:rPr kumimoji="1" lang="ja-JP" altLang="en-US" dirty="0"/>
+              <a:t>値を一時的に使いたい場合どうする？</a:t>
+            </a:r>
+            <a:endParaRPr kumimoji="1" lang="en-US" altLang="ja-JP" dirty="0"/>
+          </a:p>
+          <a:p>
+            <a:pPr marL="0" indent="0">
+              <a:buNone/>
+            </a:pPr>
+            <a:endParaRPr kumimoji="1" lang="en-US" altLang="ja-JP" dirty="0"/>
+          </a:p>
+          <a:p>
+            <a:endParaRPr kumimoji="1" lang="en-US" altLang="ja-JP" dirty="0"/>
+          </a:p>
+        </p:txBody>
+      </p:sp>
+      <p:pic>
+        <p:nvPicPr>
+          <p:cNvPr id="5" name="図 4" descr="テキスト が含まれている画像&#10;&#10;AI 生成コンテンツは誤りを含む可能性があります。">
+            <a:extLst>
+              <a:ext uri="{FF2B5EF4-FFF2-40B4-BE49-F238E27FC236}">
+                <a16:creationId xmlns:a16="http://schemas.microsoft.com/office/drawing/2014/main" id="{A56ECEC0-EC02-1F59-0D8F-2681FC6BB4C6}"/>
+              </a:ext>
+            </a:extLst>
+          </p:cNvPr>
+          <p:cNvPicPr>
+            <a:picLocks noChangeAspect="1"/>
+          </p:cNvPicPr>
+          <p:nvPr/>
+        </p:nvPicPr>
+        <p:blipFill>
+          <a:blip r:embed="rId2">
+            <a:extLst>
+              <a:ext uri="{28A0092B-C50C-407E-A947-70E740481C1C}">
+                <a14:useLocalDpi xmlns:a14="http://schemas.microsoft.com/office/drawing/2010/main" val="0"/>
+              </a:ext>
+            </a:extLst>
+          </a:blip>
+          <a:stretch>
+            <a:fillRect/>
+          </a:stretch>
+        </p:blipFill>
+        <p:spPr>
+          <a:xfrm>
+            <a:off x="838200" y="2999049"/>
+            <a:ext cx="3648584" cy="1390844"/>
+          </a:xfrm>
+          <a:prstGeom prst="rect">
+            <a:avLst/>
+          </a:prstGeom>
+        </p:spPr>
+      </p:pic>
+    </p:spTree>
+    <p:extLst>
+      <p:ext uri="{BB962C8B-B14F-4D97-AF65-F5344CB8AC3E}">
+        <p14:creationId xmlns:p14="http://schemas.microsoft.com/office/powerpoint/2010/main" val="3195978120"/>
+      </p:ext>
+    </p:extLst>
+  </p:cSld>
+  <p:clrMapOvr>
+    <a:masterClrMapping/>
+  </p:clrMapOvr>
+</p:sld>
+</file>
+
+<file path=ppt/slides/slide22.xml><?xml version="1.0" encoding="utf-8"?>
+<p:sld xmlns:a="http://schemas.openxmlformats.org/drawingml/2006/main" xmlns:r="http://schemas.openxmlformats.org/officeDocument/2006/relationships" xmlns:p="http://schemas.openxmlformats.org/presentationml/2006/main">
+  <p:cSld>
+    <p:spTree>
+      <p:nvGrpSpPr>
+        <p:cNvPr id="1" name="">
+          <a:extLst>
+            <a:ext uri="{FF2B5EF4-FFF2-40B4-BE49-F238E27FC236}">
+              <a16:creationId xmlns:a16="http://schemas.microsoft.com/office/drawing/2014/main" id="{4F7C7AFC-AB9B-3E54-5AC7-928C98026941}"/>
+            </a:ext>
+          </a:extLst>
+        </p:cNvPr>
+        <p:cNvGrpSpPr/>
+        <p:nvPr/>
+      </p:nvGrpSpPr>
+      <p:grpSpPr>
+        <a:xfrm>
+          <a:off x="0" y="0"/>
+          <a:ext cx="0" cy="0"/>
+          <a:chOff x="0" y="0"/>
+          <a:chExt cx="0" cy="0"/>
+        </a:xfrm>
+      </p:grpSpPr>
+      <p:sp>
+        <p:nvSpPr>
+          <p:cNvPr id="2" name="タイトル 1">
+            <a:extLst>
+              <a:ext uri="{FF2B5EF4-FFF2-40B4-BE49-F238E27FC236}">
+                <a16:creationId xmlns:a16="http://schemas.microsoft.com/office/drawing/2014/main" id="{6418ABDC-19E6-DF27-6D91-BD6A022A43A7}"/>
+              </a:ext>
+            </a:extLst>
+          </p:cNvPr>
+          <p:cNvSpPr>
+            <a:spLocks noGrp="1"/>
+          </p:cNvSpPr>
+          <p:nvPr>
+            <p:ph type="title"/>
+          </p:nvPr>
+        </p:nvSpPr>
+        <p:spPr/>
+        <p:txBody>
+          <a:bodyPr/>
+          <a:lstStyle/>
+          <a:p>
+            <a:r>
+              <a:rPr kumimoji="1" lang="ja-JP" altLang="en-US" dirty="0"/>
+              <a:t>地獄巡りの前に</a:t>
+            </a:r>
+            <a:r>
+              <a:rPr kumimoji="1" lang="en-US" altLang="ja-JP" dirty="0"/>
+              <a:t>: </a:t>
+            </a:r>
+            <a:r>
+              <a:rPr kumimoji="1" lang="ja-JP" altLang="en-US" dirty="0"/>
+              <a:t>ちょっと借りたいだけ</a:t>
+            </a:r>
+          </a:p>
+        </p:txBody>
+      </p:sp>
+      <p:sp>
+        <p:nvSpPr>
+          <p:cNvPr id="3" name="コンテンツ プレースホルダー 2">
+            <a:extLst>
+              <a:ext uri="{FF2B5EF4-FFF2-40B4-BE49-F238E27FC236}">
+                <a16:creationId xmlns:a16="http://schemas.microsoft.com/office/drawing/2014/main" id="{97808E90-AB53-8EB8-66B5-C1944E27101D}"/>
+              </a:ext>
+            </a:extLst>
+          </p:cNvPr>
+          <p:cNvSpPr>
+            <a:spLocks noGrp="1"/>
+          </p:cNvSpPr>
+          <p:nvPr>
+            <p:ph idx="1"/>
+          </p:nvPr>
+        </p:nvSpPr>
+        <p:spPr/>
+        <p:txBody>
+          <a:bodyPr/>
+          <a:lstStyle/>
+          <a:p>
+            <a:pPr marL="0" indent="0">
+              <a:buNone/>
+            </a:pPr>
+            <a:r>
+              <a:rPr kumimoji="1" lang="ja-JP" altLang="en-US" dirty="0"/>
+              <a:t>解決策</a:t>
+            </a:r>
+            <a:r>
+              <a:rPr kumimoji="1" lang="en-US" altLang="ja-JP" dirty="0"/>
+              <a:t>: </a:t>
+            </a:r>
+            <a:r>
+              <a:rPr kumimoji="1" lang="ja-JP" altLang="en-US" dirty="0"/>
+              <a:t>引数で値をもらい、返り値で返却</a:t>
+            </a:r>
+            <a:endParaRPr kumimoji="1" lang="en-US" altLang="ja-JP" dirty="0"/>
+          </a:p>
+          <a:p>
+            <a:pPr marL="0" indent="0">
+              <a:buNone/>
+            </a:pPr>
+            <a:endParaRPr kumimoji="1" lang="en-US" altLang="ja-JP" dirty="0"/>
+          </a:p>
+          <a:p>
+            <a:pPr marL="0" indent="0">
+              <a:buNone/>
+            </a:pPr>
+            <a:endParaRPr lang="en-US" altLang="ja-JP" dirty="0"/>
+          </a:p>
+          <a:p>
+            <a:pPr marL="0" indent="0">
+              <a:buNone/>
+            </a:pPr>
+            <a:endParaRPr kumimoji="1" lang="en-US" altLang="ja-JP" dirty="0"/>
+          </a:p>
+          <a:p>
+            <a:pPr marL="0" indent="0">
+              <a:buNone/>
+            </a:pPr>
+            <a:endParaRPr lang="en-US" altLang="ja-JP" dirty="0"/>
+          </a:p>
+          <a:p>
+            <a:pPr marL="0" indent="0">
+              <a:buNone/>
+            </a:pPr>
+            <a:endParaRPr kumimoji="1" lang="en-US" altLang="ja-JP" dirty="0"/>
+          </a:p>
+          <a:p>
+            <a:pPr>
+              <a:buFont typeface="Wingdings" panose="05000000000000000000" pitchFamily="2" charset="2"/>
+              <a:buChar char="è"/>
+            </a:pPr>
+            <a:r>
+              <a:rPr lang="ja-JP" altLang="en-US" dirty="0"/>
+              <a:t> ダルい</a:t>
+            </a:r>
+            <a:endParaRPr lang="en-US" altLang="ja-JP" dirty="0"/>
+          </a:p>
+        </p:txBody>
+      </p:sp>
+      <p:pic>
+        <p:nvPicPr>
+          <p:cNvPr id="5" name="図 4" descr="テキスト&#10;&#10;AI 生成コンテンツは誤りを含む可能性があります。">
+            <a:extLst>
+              <a:ext uri="{FF2B5EF4-FFF2-40B4-BE49-F238E27FC236}">
+                <a16:creationId xmlns:a16="http://schemas.microsoft.com/office/drawing/2014/main" id="{243A6FB5-54BD-74E1-3534-834953680406}"/>
+              </a:ext>
+            </a:extLst>
+          </p:cNvPr>
+          <p:cNvPicPr>
+            <a:picLocks noChangeAspect="1"/>
+          </p:cNvPicPr>
+          <p:nvPr/>
+        </p:nvPicPr>
+        <p:blipFill>
+          <a:blip r:embed="rId2">
+            <a:extLst>
+              <a:ext uri="{28A0092B-C50C-407E-A947-70E740481C1C}">
+                <a14:useLocalDpi xmlns:a14="http://schemas.microsoft.com/office/drawing/2010/main" val="0"/>
+              </a:ext>
+            </a:extLst>
+          </a:blip>
+          <a:stretch>
+            <a:fillRect/>
+          </a:stretch>
+        </p:blipFill>
+        <p:spPr>
+          <a:xfrm>
+            <a:off x="838200" y="2628788"/>
+            <a:ext cx="3162741" cy="1600423"/>
+          </a:xfrm>
+          <a:prstGeom prst="rect">
+            <a:avLst/>
+          </a:prstGeom>
+        </p:spPr>
+      </p:pic>
+    </p:spTree>
+    <p:extLst>
+      <p:ext uri="{BB962C8B-B14F-4D97-AF65-F5344CB8AC3E}">
+        <p14:creationId xmlns:p14="http://schemas.microsoft.com/office/powerpoint/2010/main" val="3443817819"/>
+      </p:ext>
+    </p:extLst>
+  </p:cSld>
+  <p:clrMapOvr>
+    <a:masterClrMapping/>
+  </p:clrMapOvr>
+</p:sld>
+</file>
+
+<file path=ppt/slides/slide23.xml><?xml version="1.0" encoding="utf-8"?>
+<p:sld xmlns:a="http://schemas.openxmlformats.org/drawingml/2006/main" xmlns:r="http://schemas.openxmlformats.org/officeDocument/2006/relationships" xmlns:p="http://schemas.openxmlformats.org/presentationml/2006/main">
+  <p:cSld>
+    <p:spTree>
+      <p:nvGrpSpPr>
+        <p:cNvPr id="1" name="">
+          <a:extLst>
+            <a:ext uri="{FF2B5EF4-FFF2-40B4-BE49-F238E27FC236}">
+              <a16:creationId xmlns:a16="http://schemas.microsoft.com/office/drawing/2014/main" id="{39017097-E024-2C51-60BA-A063671F23FF}"/>
+            </a:ext>
+          </a:extLst>
+        </p:cNvPr>
+        <p:cNvGrpSpPr/>
+        <p:nvPr/>
+      </p:nvGrpSpPr>
+      <p:grpSpPr>
+        <a:xfrm>
+          <a:off x="0" y="0"/>
+          <a:ext cx="0" cy="0"/>
+          <a:chOff x="0" y="0"/>
+          <a:chExt cx="0" cy="0"/>
+        </a:xfrm>
+      </p:grpSpPr>
+      <p:sp>
+        <p:nvSpPr>
+          <p:cNvPr id="2" name="タイトル 1">
+            <a:extLst>
+              <a:ext uri="{FF2B5EF4-FFF2-40B4-BE49-F238E27FC236}">
+                <a16:creationId xmlns:a16="http://schemas.microsoft.com/office/drawing/2014/main" id="{85A331C6-3CCD-EFFB-7928-2F1B1CA200AB}"/>
+              </a:ext>
+            </a:extLst>
+          </p:cNvPr>
+          <p:cNvSpPr>
+            <a:spLocks noGrp="1"/>
+          </p:cNvSpPr>
+          <p:nvPr>
+            <p:ph type="title"/>
+          </p:nvPr>
+        </p:nvSpPr>
+        <p:spPr/>
+        <p:txBody>
+          <a:bodyPr/>
+          <a:lstStyle/>
+          <a:p>
+            <a:r>
+              <a:rPr kumimoji="1" lang="ja-JP" altLang="en-US" dirty="0"/>
+              <a:t>借用</a:t>
+            </a:r>
+          </a:p>
+        </p:txBody>
+      </p:sp>
+      <p:sp>
+        <p:nvSpPr>
+          <p:cNvPr id="3" name="コンテンツ プレースホルダー 2">
+            <a:extLst>
+              <a:ext uri="{FF2B5EF4-FFF2-40B4-BE49-F238E27FC236}">
+                <a16:creationId xmlns:a16="http://schemas.microsoft.com/office/drawing/2014/main" id="{E36868A8-C236-111C-50E0-55C2C7899A28}"/>
+              </a:ext>
+            </a:extLst>
+          </p:cNvPr>
+          <p:cNvSpPr>
+            <a:spLocks noGrp="1"/>
+          </p:cNvSpPr>
+          <p:nvPr>
+            <p:ph idx="1"/>
+          </p:nvPr>
+        </p:nvSpPr>
+        <p:spPr/>
+        <p:txBody>
+          <a:bodyPr/>
+          <a:lstStyle/>
+          <a:p>
+            <a:pPr marL="0" indent="0">
+              <a:buNone/>
+            </a:pPr>
+            <a:r>
+              <a:rPr lang="ja-JP" altLang="en-US" dirty="0"/>
+              <a:t>略記できるといいね</a:t>
+            </a:r>
+            <a:endParaRPr lang="en-US" altLang="ja-JP" dirty="0"/>
+          </a:p>
+          <a:p>
+            <a:pPr marL="0" indent="0">
+              <a:buNone/>
+            </a:pPr>
+            <a:endParaRPr lang="en-US" altLang="ja-JP" dirty="0"/>
+          </a:p>
+          <a:p>
+            <a:pPr marL="0" indent="0">
+              <a:buNone/>
+            </a:pPr>
+            <a:endParaRPr lang="en-US" altLang="ja-JP" dirty="0"/>
+          </a:p>
+          <a:p>
+            <a:pPr marL="0" indent="0">
+              <a:buNone/>
+            </a:pPr>
+            <a:endParaRPr lang="en-US" altLang="ja-JP" dirty="0"/>
+          </a:p>
+          <a:p>
+            <a:pPr marL="0" indent="0">
+              <a:buNone/>
+            </a:pPr>
+            <a:endParaRPr lang="en-US" altLang="ja-JP" dirty="0"/>
+          </a:p>
+          <a:p>
+            <a:pPr marL="0" indent="0">
+              <a:buNone/>
+            </a:pPr>
+            <a:r>
+              <a:rPr lang="ja-JP" altLang="en-US" dirty="0"/>
+              <a:t>引数の型に</a:t>
+            </a:r>
+            <a:r>
+              <a:rPr lang="en-US" altLang="ja-JP" dirty="0"/>
+              <a:t>&amp;</a:t>
+            </a:r>
+            <a:r>
+              <a:rPr lang="ja-JP" altLang="en-US" dirty="0"/>
+              <a:t>を付ける</a:t>
+            </a:r>
+            <a:endParaRPr lang="en-US" altLang="ja-JP" dirty="0"/>
+          </a:p>
+          <a:p>
+            <a:pPr marL="0" indent="0">
+              <a:buNone/>
+            </a:pPr>
+            <a:r>
+              <a:rPr lang="ja-JP" altLang="en-US" b="1" dirty="0"/>
+              <a:t>借用</a:t>
+            </a:r>
+            <a:r>
+              <a:rPr lang="ja-JP" altLang="en-US" dirty="0"/>
+              <a:t>と呼ばれる</a:t>
+            </a:r>
+            <a:endParaRPr lang="en-US" altLang="ja-JP" dirty="0"/>
+          </a:p>
+        </p:txBody>
+      </p:sp>
+      <p:pic>
+        <p:nvPicPr>
+          <p:cNvPr id="5" name="図 4" descr="テキスト&#10;&#10;AI 生成コンテンツは誤りを含む可能性があります。">
+            <a:extLst>
+              <a:ext uri="{FF2B5EF4-FFF2-40B4-BE49-F238E27FC236}">
+                <a16:creationId xmlns:a16="http://schemas.microsoft.com/office/drawing/2014/main" id="{1ADB008A-0626-6516-0274-3D7AF6CE6C07}"/>
+              </a:ext>
+            </a:extLst>
+          </p:cNvPr>
+          <p:cNvPicPr>
+            <a:picLocks noChangeAspect="1"/>
+          </p:cNvPicPr>
+          <p:nvPr/>
+        </p:nvPicPr>
+        <p:blipFill>
+          <a:blip r:embed="rId2">
+            <a:extLst>
+              <a:ext uri="{28A0092B-C50C-407E-A947-70E740481C1C}">
+                <a14:useLocalDpi xmlns:a14="http://schemas.microsoft.com/office/drawing/2010/main" val="0"/>
+              </a:ext>
+            </a:extLst>
+          </a:blip>
+          <a:stretch>
+            <a:fillRect/>
+          </a:stretch>
+        </p:blipFill>
+        <p:spPr>
+          <a:xfrm>
+            <a:off x="1168560" y="2477940"/>
+            <a:ext cx="3581900" cy="1390844"/>
+          </a:xfrm>
+          <a:prstGeom prst="rect">
+            <a:avLst/>
+          </a:prstGeom>
+        </p:spPr>
+      </p:pic>
+    </p:spTree>
+    <p:extLst>
+      <p:ext uri="{BB962C8B-B14F-4D97-AF65-F5344CB8AC3E}">
+        <p14:creationId xmlns:p14="http://schemas.microsoft.com/office/powerpoint/2010/main" val="2662763739"/>
+      </p:ext>
+    </p:extLst>
+  </p:cSld>
+  <p:clrMapOvr>
+    <a:masterClrMapping/>
+  </p:clrMapOvr>
+</p:sld>
+</file>
+
+<file path=ppt/slides/slide24.xml><?xml version="1.0" encoding="utf-8"?>
+<p:sld xmlns:a="http://schemas.openxmlformats.org/drawingml/2006/main" xmlns:r="http://schemas.openxmlformats.org/officeDocument/2006/relationships" xmlns:p="http://schemas.openxmlformats.org/presentationml/2006/main">
+  <p:cSld>
+    <p:spTree>
+      <p:nvGrpSpPr>
+        <p:cNvPr id="1" name=""/>
+        <p:cNvGrpSpPr/>
+        <p:nvPr/>
+      </p:nvGrpSpPr>
+      <p:grpSpPr>
+        <a:xfrm>
+          <a:off x="0" y="0"/>
+          <a:ext cx="0" cy="0"/>
+          <a:chOff x="0" y="0"/>
+          <a:chExt cx="0" cy="0"/>
+        </a:xfrm>
+      </p:grpSpPr>
+      <p:sp>
+        <p:nvSpPr>
+          <p:cNvPr id="2" name="タイトル 1">
+            <a:extLst>
+              <a:ext uri="{FF2B5EF4-FFF2-40B4-BE49-F238E27FC236}">
                 <a16:creationId xmlns:a16="http://schemas.microsoft.com/office/drawing/2014/main" id="{BC566380-F883-32F7-10F8-7995A8FD83BA}"/>
               </a:ext>
             </a:extLst>
@@ -5493,6 +6172,27 @@
           <a:bodyPr/>
           <a:lstStyle/>
           <a:p>
+            <a:pPr marL="0" indent="0">
+              <a:buNone/>
+            </a:pPr>
+            <a:r>
+              <a:rPr kumimoji="1" lang="en-US" altLang="ja-JP" dirty="0"/>
+              <a:t>Window, Renderer, Texture</a:t>
+            </a:r>
+            <a:r>
+              <a:rPr lang="ja-JP" altLang="en-US" dirty="0"/>
+              <a:t>クラスの</a:t>
+            </a:r>
+            <a:endParaRPr lang="en-US" altLang="ja-JP" dirty="0"/>
+          </a:p>
+          <a:p>
+            <a:pPr marL="0" indent="0">
+              <a:buNone/>
+            </a:pPr>
+            <a:r>
+              <a:rPr lang="ja-JP" altLang="en-US"/>
+              <a:t>初期化関数とデストラクタを実装しよう</a:t>
+            </a:r>
             <a:endParaRPr kumimoji="1" lang="ja-JP" altLang="en-US" dirty="0"/>
           </a:p>
         </p:txBody>
@@ -5850,6 +6550,42 @@
           </a:p>
         </p:txBody>
       </p:sp>
+      <p:pic>
+        <p:nvPicPr>
+          <p:cNvPr id="5" name="図 4" descr="グラフィカル ユーザー インターフェイス が含まれている画像&#10;&#10;AI 生成コンテンツは誤りを含む可能性があります。">
+            <a:extLst>
+              <a:ext uri="{FF2B5EF4-FFF2-40B4-BE49-F238E27FC236}">
+                <a16:creationId xmlns:a16="http://schemas.microsoft.com/office/drawing/2014/main" id="{C54CE9A0-F143-2AE8-FE0F-01454A3C8A98}"/>
+              </a:ext>
+            </a:extLst>
+          </p:cNvPr>
+          <p:cNvPicPr>
+            <a:picLocks noChangeAspect="1"/>
+          </p:cNvPicPr>
+          <p:nvPr/>
+        </p:nvPicPr>
+        <p:blipFill>
+          <a:blip r:embed="rId2">
+            <a:extLst>
+              <a:ext uri="{28A0092B-C50C-407E-A947-70E740481C1C}">
+                <a14:useLocalDpi xmlns:a14="http://schemas.microsoft.com/office/drawing/2010/main" val="0"/>
+              </a:ext>
+            </a:extLst>
+          </a:blip>
+          <a:stretch>
+            <a:fillRect/>
+          </a:stretch>
+        </p:blipFill>
+        <p:spPr>
+          <a:xfrm>
+            <a:off x="0" y="1894883"/>
+            <a:ext cx="12192000" cy="4417017"/>
+          </a:xfrm>
+          <a:prstGeom prst="rect">
+            <a:avLst/>
+          </a:prstGeom>
+        </p:spPr>
+      </p:pic>
     </p:spTree>
     <p:extLst>
       <p:ext uri="{BB962C8B-B14F-4D97-AF65-F5344CB8AC3E}">
@@ -6077,95 +6813,10 @@
             <a:endParaRPr lang="en-US" altLang="ja-JP" dirty="0"/>
           </a:p>
           <a:p>
+            <a:pPr marL="0" indent="0">
+              <a:buNone/>
+            </a:pPr>
             <a:endParaRPr kumimoji="1" lang="en-US" altLang="ja-JP" dirty="0"/>
-          </a:p>
-          <a:p>
-            <a:pPr marL="0" indent="0">
-              <a:buNone/>
-            </a:pPr>
-            <a:r>
-              <a:rPr lang="en-US" altLang="ja-JP" dirty="0"/>
-              <a:t>TODO: </a:t>
-            </a:r>
-            <a:r>
-              <a:rPr lang="ja-JP" altLang="en-US" dirty="0"/>
-              <a:t>構文を説明するスクショ、実例を見せるスクショ</a:t>
-            </a:r>
-            <a:br>
-              <a:rPr lang="en-US" altLang="ja-JP" dirty="0"/>
-            </a:br>
-            <a:r>
-              <a:rPr lang="en-US" altLang="ja-JP" dirty="0"/>
-              <a:t>(</a:t>
-            </a:r>
-            <a:r>
-              <a:rPr lang="ja-JP" altLang="en-US" dirty="0"/>
-              <a:t>メンバイニシャライザを使う</a:t>
-            </a:r>
-            <a:r>
-              <a:rPr lang="en-US" altLang="ja-JP" dirty="0"/>
-              <a:t>)</a:t>
-            </a:r>
-          </a:p>
-          <a:p>
-            <a:pPr marL="0" indent="0">
-              <a:buNone/>
-            </a:pPr>
-            <a:endParaRPr kumimoji="1" lang="en-US" altLang="ja-JP" dirty="0"/>
-          </a:p>
-          <a:p>
-            <a:r>
-              <a:rPr lang="ja-JP" altLang="en-US" dirty="0"/>
-              <a:t>今までの</a:t>
-            </a:r>
-            <a:r>
-              <a:rPr lang="en-US" altLang="ja-JP" dirty="0"/>
-              <a:t>struct</a:t>
-            </a:r>
-            <a:r>
-              <a:rPr lang="ja-JP" altLang="en-US" dirty="0"/>
-              <a:t>にも実はあった</a:t>
-            </a:r>
-            <a:br>
-              <a:rPr lang="en-US" altLang="ja-JP" dirty="0"/>
-            </a:br>
-            <a:r>
-              <a:rPr lang="ja-JP" altLang="en-US" dirty="0"/>
-              <a:t>自明なコンストラクタは勝手に生えがち</a:t>
-            </a:r>
-            <a:r>
-              <a:rPr lang="en-US" altLang="ja-JP" dirty="0"/>
-              <a:t>(</a:t>
-            </a:r>
-            <a:r>
-              <a:rPr lang="ja-JP" altLang="en-US" dirty="0"/>
-              <a:t>後述</a:t>
-            </a:r>
-            <a:r>
-              <a:rPr lang="en-US" altLang="ja-JP" dirty="0"/>
-              <a:t>)</a:t>
-            </a:r>
-          </a:p>
-          <a:p>
-            <a:endParaRPr kumimoji="1" lang="en-US" altLang="ja-JP" dirty="0"/>
-          </a:p>
-          <a:p>
-            <a:pPr marL="0" indent="0">
-              <a:buNone/>
-            </a:pPr>
-            <a:r>
-              <a:rPr lang="ja-JP" altLang="en-US" dirty="0"/>
-              <a:t>次は</a:t>
-            </a:r>
-            <a:r>
-              <a:rPr lang="en-US" altLang="ja-JP" dirty="0"/>
-              <a:t>2</a:t>
-            </a:r>
-            <a:r>
-              <a:rPr lang="ja-JP" altLang="en-US" dirty="0"/>
-              <a:t>の対処を見る</a:t>
-            </a:r>
-            <a:endParaRPr kumimoji="1" lang="ja-JP" altLang="en-US" dirty="0"/>
           </a:p>
         </p:txBody>
       </p:sp>
@@ -6204,7 +6855,7 @@
           <p:cNvPr id="2" name="タイトル 1">
             <a:extLst>
               <a:ext uri="{FF2B5EF4-FFF2-40B4-BE49-F238E27FC236}">
-                <a16:creationId xmlns:a16="http://schemas.microsoft.com/office/drawing/2014/main" id="{3D23E124-8A58-104E-746C-33255025E480}"/>
+                <a16:creationId xmlns:a16="http://schemas.microsoft.com/office/drawing/2014/main" id="{7F9076AB-6FEC-0715-0951-5C04F0140EED}"/>
               </a:ext>
             </a:extLst>
           </p:cNvPr>
@@ -6221,144 +6872,51 @@
           <a:lstStyle/>
           <a:p>
             <a:r>
-              <a:rPr lang="ja-JP" altLang="en-US" dirty="0"/>
-              <a:t>解放</a:t>
-            </a:r>
-            <a:r>
               <a:rPr kumimoji="1" lang="ja-JP" altLang="en-US" dirty="0"/>
-              <a:t>処理</a:t>
-            </a:r>
-            <a:r>
-              <a:rPr kumimoji="1" lang="en-US" altLang="ja-JP" dirty="0"/>
-              <a:t>(</a:t>
-            </a:r>
-            <a:r>
-              <a:rPr kumimoji="1" lang="ja-JP" altLang="en-US" dirty="0"/>
-              <a:t>おさらい</a:t>
-            </a:r>
-            <a:r>
-              <a:rPr kumimoji="1" lang="en-US" altLang="ja-JP" dirty="0"/>
-              <a:t>)</a:t>
-            </a:r>
-            <a:endParaRPr kumimoji="1" lang="ja-JP" altLang="en-US" dirty="0"/>
-          </a:p>
-        </p:txBody>
-      </p:sp>
-      <p:sp>
-        <p:nvSpPr>
-          <p:cNvPr id="3" name="コンテンツ プレースホルダー 2">
-            <a:extLst>
-              <a:ext uri="{FF2B5EF4-FFF2-40B4-BE49-F238E27FC236}">
-                <a16:creationId xmlns:a16="http://schemas.microsoft.com/office/drawing/2014/main" id="{8C3797C6-2552-7F5E-9449-8CF97254CB94}"/>
-              </a:ext>
-            </a:extLst>
-          </p:cNvPr>
-          <p:cNvSpPr>
-            <a:spLocks noGrp="1"/>
-          </p:cNvSpPr>
+              <a:t>コンストラクタ</a:t>
+            </a:r>
+          </a:p>
+        </p:txBody>
+      </p:sp>
+      <p:pic>
+        <p:nvPicPr>
+          <p:cNvPr id="5" name="コンテンツ プレースホルダー 4" descr="テキスト&#10;&#10;AI 生成コンテンツは誤りを含む可能性があります。">
+            <a:extLst>
+              <a:ext uri="{FF2B5EF4-FFF2-40B4-BE49-F238E27FC236}">
+                <a16:creationId xmlns:a16="http://schemas.microsoft.com/office/drawing/2014/main" id="{3303A0A6-8EBD-39FC-A2D2-13C4F5F70980}"/>
+              </a:ext>
+            </a:extLst>
+          </p:cNvPr>
+          <p:cNvPicPr>
+            <a:picLocks noGrp="1" noChangeAspect="1"/>
+          </p:cNvPicPr>
           <p:nvPr>
             <p:ph idx="1"/>
           </p:nvPr>
-        </p:nvSpPr>
-        <p:spPr/>
-        <p:txBody>
-          <a:bodyPr/>
-          <a:lstStyle/>
-          <a:p>
-            <a:r>
-              <a:rPr kumimoji="1" lang="ja-JP" altLang="en-US" dirty="0"/>
-              <a:t>解放処理が必要な</a:t>
-            </a:r>
-            <a:r>
-              <a:rPr kumimoji="1" lang="en-US" altLang="ja-JP" dirty="0"/>
-              <a:t>”</a:t>
-            </a:r>
-            <a:r>
-              <a:rPr kumimoji="1" lang="ja-JP" altLang="en-US" dirty="0"/>
-              <a:t>資源</a:t>
-            </a:r>
-            <a:r>
-              <a:rPr kumimoji="1" lang="en-US" altLang="ja-JP" dirty="0"/>
-              <a:t>”</a:t>
-            </a:r>
-            <a:r>
-              <a:rPr kumimoji="1" lang="ja-JP" altLang="en-US" dirty="0"/>
-              <a:t>を扱うことは多い</a:t>
-            </a:r>
-            <a:endParaRPr lang="en-US" altLang="ja-JP" dirty="0"/>
-          </a:p>
-          <a:p>
-            <a:pPr lvl="1"/>
-            <a:r>
-              <a:rPr kumimoji="1" lang="en-US" altLang="ja-JP" dirty="0"/>
-              <a:t>OS</a:t>
-            </a:r>
-            <a:r>
-              <a:rPr kumimoji="1" lang="ja-JP" altLang="en-US" dirty="0"/>
-              <a:t>から借りてたメモリ領域、通信に使う識別子</a:t>
-            </a:r>
-            <a:r>
-              <a:rPr kumimoji="1" lang="en-US" altLang="ja-JP" dirty="0"/>
-              <a:t> </a:t>
-            </a:r>
-            <a:r>
-              <a:rPr kumimoji="1" lang="en-US" altLang="ja-JP" dirty="0" err="1"/>
-              <a:t>etc</a:t>
-            </a:r>
-            <a:r>
-              <a:rPr kumimoji="1" lang="en-US" altLang="ja-JP" dirty="0"/>
-              <a:t>…</a:t>
-            </a:r>
-          </a:p>
-          <a:p>
-            <a:pPr marL="0" indent="0">
-              <a:buNone/>
-            </a:pPr>
-            <a:endParaRPr lang="en-US" altLang="ja-JP" dirty="0"/>
-          </a:p>
-          <a:p>
-            <a:r>
-              <a:rPr lang="ja-JP" altLang="en-US" dirty="0"/>
-              <a:t>解放を忘れると困ったことに</a:t>
-            </a:r>
-            <a:endParaRPr lang="en-US" altLang="ja-JP" dirty="0"/>
-          </a:p>
-          <a:p>
-            <a:pPr lvl="1"/>
-            <a:r>
-              <a:rPr lang="ja-JP" altLang="en-US" dirty="0"/>
-              <a:t>現在でも一部の資源は再起動するまで使えなくなる</a:t>
-            </a:r>
-            <a:endParaRPr lang="en-US" altLang="ja-JP" dirty="0"/>
-          </a:p>
-          <a:p>
-            <a:pPr lvl="1"/>
-            <a:r>
-              <a:rPr lang="ja-JP" altLang="en-US" dirty="0"/>
-              <a:t>バグの原因になるかも</a:t>
-            </a:r>
-            <a:endParaRPr lang="en-US" altLang="ja-JP" dirty="0"/>
-          </a:p>
-          <a:p>
-            <a:endParaRPr lang="en-US" altLang="ja-JP" dirty="0"/>
-          </a:p>
-          <a:p>
-            <a:pPr>
-              <a:buFont typeface="Wingdings" panose="05000000000000000000" pitchFamily="2" charset="2"/>
-              <a:buChar char="è"/>
-            </a:pPr>
-            <a:r>
-              <a:rPr lang="ja-JP" altLang="en-US" dirty="0"/>
-              <a:t>解放忘れはどうにか静的に検出したい</a:t>
-            </a:r>
-            <a:endParaRPr lang="en-US" altLang="ja-JP" dirty="0"/>
-          </a:p>
-        </p:txBody>
-      </p:sp>
+        </p:nvPicPr>
+        <p:blipFill>
+          <a:blip r:embed="rId2">
+            <a:extLst>
+              <a:ext uri="{28A0092B-C50C-407E-A947-70E740481C1C}">
+                <a14:useLocalDpi xmlns:a14="http://schemas.microsoft.com/office/drawing/2010/main" val="0"/>
+              </a:ext>
+            </a:extLst>
+          </a:blip>
+          <a:stretch>
+            <a:fillRect/>
+          </a:stretch>
+        </p:blipFill>
+        <p:spPr>
+          <a:xfrm>
+            <a:off x="1200399" y="1397657"/>
+            <a:ext cx="6985657" cy="5214962"/>
+          </a:xfrm>
+        </p:spPr>
+      </p:pic>
     </p:spTree>
     <p:extLst>
       <p:ext uri="{BB962C8B-B14F-4D97-AF65-F5344CB8AC3E}">
-        <p14:creationId xmlns:p14="http://schemas.microsoft.com/office/powerpoint/2010/main" val="3969377077"/>
+        <p14:creationId xmlns:p14="http://schemas.microsoft.com/office/powerpoint/2010/main" val="1532245632"/>
       </p:ext>
     </p:extLst>
   </p:cSld>
@@ -6373,7 +6931,13 @@
   <p:cSld>
     <p:spTree>
       <p:nvGrpSpPr>
-        <p:cNvPr id="1" name=""/>
+        <p:cNvPr id="1" name="">
+          <a:extLst>
+            <a:ext uri="{FF2B5EF4-FFF2-40B4-BE49-F238E27FC236}">
+              <a16:creationId xmlns:a16="http://schemas.microsoft.com/office/drawing/2014/main" id="{4CD1775A-0C5B-8AE8-866D-2F1A7E180A52}"/>
+            </a:ext>
+          </a:extLst>
+        </p:cNvPr>
         <p:cNvGrpSpPr/>
         <p:nvPr/>
       </p:nvGrpSpPr>
@@ -6390,7 +6954,7 @@
           <p:cNvPr id="2" name="タイトル 1">
             <a:extLst>
               <a:ext uri="{FF2B5EF4-FFF2-40B4-BE49-F238E27FC236}">
-                <a16:creationId xmlns:a16="http://schemas.microsoft.com/office/drawing/2014/main" id="{BBBC37DD-FE0C-7AA8-DC40-5481778FC033}"/>
+                <a16:creationId xmlns:a16="http://schemas.microsoft.com/office/drawing/2014/main" id="{03E89783-E838-A4DD-9F61-6EA26B28F9D5}"/>
               </a:ext>
             </a:extLst>
           </p:cNvPr>
@@ -6407,9 +6971,10 @@
           <a:lstStyle/>
           <a:p>
             <a:r>
-              <a:rPr kumimoji="1" lang="ja-JP" altLang="en-US" dirty="0"/>
-              <a:t>解放忘れの検出</a:t>
-            </a:r>
+              <a:rPr lang="ja-JP" altLang="en-US" dirty="0"/>
+              <a:t>コンストラクタ</a:t>
+            </a:r>
+            <a:endParaRPr kumimoji="1" lang="ja-JP" altLang="en-US" dirty="0"/>
           </a:p>
         </p:txBody>
       </p:sp>
@@ -6418,7 +6983,7 @@
           <p:cNvPr id="3" name="コンテンツ プレースホルダー 2">
             <a:extLst>
               <a:ext uri="{FF2B5EF4-FFF2-40B4-BE49-F238E27FC236}">
-                <a16:creationId xmlns:a16="http://schemas.microsoft.com/office/drawing/2014/main" id="{D27CBE51-2AF0-1D62-703B-AEA54982050F}"/>
+                <a16:creationId xmlns:a16="http://schemas.microsoft.com/office/drawing/2014/main" id="{4E46CC4B-88BE-0E12-AFF0-F62D645216B5}"/>
               </a:ext>
             </a:extLst>
           </p:cNvPr>
@@ -6431,50 +6996,44 @@
         </p:nvSpPr>
         <p:spPr/>
         <p:txBody>
-          <a:bodyPr/>
+          <a:bodyPr>
+            <a:normAutofit/>
+          </a:bodyPr>
           <a:lstStyle/>
           <a:p>
             <a:pPr marL="0" indent="0">
               <a:buNone/>
             </a:pPr>
             <a:r>
-              <a:rPr kumimoji="1" lang="ja-JP" altLang="en-US" dirty="0"/>
-              <a:t>勝手にやる？叱る？</a:t>
-            </a:r>
-            <a:endParaRPr kumimoji="1" lang="en-US" altLang="ja-JP" dirty="0"/>
-          </a:p>
-          <a:p>
-            <a:r>
-              <a:rPr kumimoji="1" lang="ja-JP" altLang="en-US" dirty="0"/>
-              <a:t>「解放を自動で行おう」</a:t>
-            </a:r>
-            <a:br>
-              <a:rPr kumimoji="1" lang="en-US" altLang="ja-JP" dirty="0"/>
-            </a:br>
-            <a:r>
-              <a:rPr kumimoji="1" lang="en-US" altLang="ja-JP" dirty="0"/>
-              <a:t>(C++/Rust, Java/</a:t>
+              <a:rPr lang="ja-JP" altLang="en-US" dirty="0"/>
+              <a:t>今までの</a:t>
             </a:r>
             <a:r>
               <a:rPr lang="en-US" altLang="ja-JP" dirty="0"/>
-              <a:t>C#/Python/JS…</a:t>
-            </a:r>
-            <a:r>
-              <a:rPr kumimoji="1" lang="en-US" altLang="ja-JP" dirty="0"/>
-              <a:t>)</a:t>
-            </a:r>
-          </a:p>
-          <a:p>
+              <a:t>struct</a:t>
+            </a:r>
             <a:r>
               <a:rPr lang="ja-JP" altLang="en-US" dirty="0"/>
-              <a:t>「解放を忘れたらエラーを出そう」</a:t>
+              <a:t>にも実はあった</a:t>
             </a:r>
             <a:br>
               <a:rPr lang="en-US" altLang="ja-JP" dirty="0"/>
             </a:br>
             <a:r>
+              <a:rPr lang="ja-JP" altLang="en-US" dirty="0"/>
+              <a:t>自明なコンストラクタは勝手に生えがち</a:t>
+            </a:r>
+            <a:r>
               <a:rPr lang="en-US" altLang="ja-JP" dirty="0"/>
-              <a:t>(Linear Haskell)</a:t>
+              <a:t>(</a:t>
+            </a:r>
+            <a:r>
+              <a:rPr lang="ja-JP" altLang="en-US" dirty="0"/>
+              <a:t>後述</a:t>
+            </a:r>
+            <a:r>
+              <a:rPr lang="en-US" altLang="ja-JP" dirty="0"/>
+              <a:t>)</a:t>
             </a:r>
           </a:p>
           <a:p>
@@ -6489,7 +7048,68 @@
             </a:pPr>
             <a:r>
               <a:rPr lang="ja-JP" altLang="en-US" dirty="0"/>
-              <a:t>今回は自動で行うほうを解説</a:t>
+              <a:t>値の生成が失敗しうる場合など、</a:t>
+            </a:r>
+            <a:r>
+              <a:rPr lang="en-US" altLang="ja-JP" dirty="0"/>
+              <a:t>T</a:t>
+            </a:r>
+            <a:r>
+              <a:rPr lang="ja-JP" altLang="en-US" dirty="0"/>
+              <a:t>そのものでなく</a:t>
+            </a:r>
+            <a:br>
+              <a:rPr lang="en-US" altLang="ja-JP" dirty="0"/>
+            </a:br>
+            <a:r>
+              <a:rPr lang="en-US" altLang="ja-JP" dirty="0"/>
+              <a:t>optional&lt;T&gt;</a:t>
+            </a:r>
+            <a:r>
+              <a:rPr lang="ja-JP" altLang="en-US" dirty="0"/>
+              <a:t>などを返したいとき、無力</a:t>
+            </a:r>
+            <a:endParaRPr lang="en-US" altLang="ja-JP" dirty="0"/>
+          </a:p>
+          <a:p>
+            <a:pPr marL="0" indent="0">
+              <a:buNone/>
+            </a:pPr>
+            <a:endParaRPr lang="en-US" altLang="ja-JP" dirty="0"/>
+          </a:p>
+          <a:p>
+            <a:pPr marL="0" indent="0">
+              <a:buNone/>
+            </a:pPr>
+            <a:r>
+              <a:rPr lang="ja-JP" altLang="en-US" dirty="0"/>
+              <a:t>自明なコンストラクタを使い、</a:t>
+            </a:r>
+            <a:br>
+              <a:rPr lang="en-US" altLang="ja-JP" dirty="0"/>
+            </a:br>
+            <a:r>
+              <a:rPr lang="ja-JP" altLang="en-US" dirty="0"/>
+              <a:t>値の生成処理や不正かのチェックは</a:t>
+            </a:r>
+            <a:br>
+              <a:rPr lang="en-US" altLang="ja-JP" dirty="0"/>
+            </a:br>
+            <a:r>
+              <a:rPr lang="en-US" altLang="ja-JP" dirty="0"/>
+              <a:t>static</a:t>
+            </a:r>
+            <a:r>
+              <a:rPr lang="ja-JP" altLang="en-US" dirty="0"/>
+              <a:t>関数に任せるほうが賢明</a:t>
+            </a:r>
+            <a:r>
+              <a:rPr lang="en-US" altLang="ja-JP" dirty="0"/>
+              <a:t>…</a:t>
+            </a:r>
+            <a:r>
+              <a:rPr lang="ja-JP" altLang="en-US" dirty="0"/>
+              <a:t>？</a:t>
             </a:r>
             <a:endParaRPr lang="en-US" altLang="ja-JP" dirty="0"/>
           </a:p>
@@ -6498,7 +7118,7 @@
     </p:spTree>
     <p:extLst>
       <p:ext uri="{BB962C8B-B14F-4D97-AF65-F5344CB8AC3E}">
-        <p14:creationId xmlns:p14="http://schemas.microsoft.com/office/powerpoint/2010/main" val="2025184040"/>
+        <p14:creationId xmlns:p14="http://schemas.microsoft.com/office/powerpoint/2010/main" val="1961885396"/>
       </p:ext>
     </p:extLst>
   </p:cSld>
